--- a/Analysis/hackmageddon_presentation.pptx
+++ b/Analysis/hackmageddon_presentation.pptx
@@ -6,12 +6,18 @@
   </p:sldMasterIdLst>
   <p:sldIdLst>
     <p:sldId id="256" r:id="rId2"/>
-    <p:sldId id="257" r:id="rId3"/>
-    <p:sldId id="258" r:id="rId4"/>
-    <p:sldId id="259" r:id="rId5"/>
-    <p:sldId id="260" r:id="rId6"/>
-    <p:sldId id="261" r:id="rId7"/>
-    <p:sldId id="262" r:id="rId8"/>
+    <p:sldId id="265" r:id="rId3"/>
+    <p:sldId id="264" r:id="rId4"/>
+    <p:sldId id="266" r:id="rId5"/>
+    <p:sldId id="257" r:id="rId6"/>
+    <p:sldId id="258" r:id="rId7"/>
+    <p:sldId id="261" r:id="rId8"/>
+    <p:sldId id="262" r:id="rId9"/>
+    <p:sldId id="267" r:id="rId10"/>
+    <p:sldId id="268" r:id="rId11"/>
+    <p:sldId id="259" r:id="rId12"/>
+    <p:sldId id="260" r:id="rId13"/>
+    <p:sldId id="269" r:id="rId14"/>
   </p:sldIdLst>
   <p:sldSz cx="12192000" cy="6858000"/>
   <p:notesSz cx="6858000" cy="9144000"/>
@@ -110,6 +116,11 @@
       </a:defRPr>
     </a:lvl9pPr>
   </p:defaultTextStyle>
+  <p:extLst>
+    <p:ext uri="{EFAFB233-063F-42B5-8137-9DF3F51BA10A}">
+      <p15:sldGuideLst xmlns:p15="http://schemas.microsoft.com/office/powerpoint/2012/main"/>
+    </p:ext>
+  </p:extLst>
 </p:presentation>
 </file>
 
@@ -338,7 +349,7 @@
             <a:fld id="{5586B75A-687E-405C-8A0B-8D00578BA2C3}" type="datetimeFigureOut">
               <a:rPr lang="en-US" dirty="0"/>
               <a:pPr/>
-              <a:t>8/4/18</a:t>
+              <a:t>8/5/18</a:t>
             </a:fld>
             <a:endParaRPr lang="en-US" dirty="0"/>
           </a:p>
@@ -505,7 +516,7 @@
             <a:fld id="{5586B75A-687E-405C-8A0B-8D00578BA2C3}" type="datetimeFigureOut">
               <a:rPr lang="en-US" dirty="0"/>
               <a:pPr/>
-              <a:t>8/4/18</a:t>
+              <a:t>8/5/18</a:t>
             </a:fld>
             <a:endParaRPr lang="en-US" dirty="0"/>
           </a:p>
@@ -682,7 +693,7 @@
             <a:fld id="{5586B75A-687E-405C-8A0B-8D00578BA2C3}" type="datetimeFigureOut">
               <a:rPr lang="en-US" dirty="0"/>
               <a:pPr/>
-              <a:t>8/4/18</a:t>
+              <a:t>8/5/18</a:t>
             </a:fld>
             <a:endParaRPr lang="en-US" dirty="0"/>
           </a:p>
@@ -849,7 +860,7 @@
             <a:fld id="{5586B75A-687E-405C-8A0B-8D00578BA2C3}" type="datetimeFigureOut">
               <a:rPr lang="en-US" dirty="0"/>
               <a:pPr/>
-              <a:t>8/4/18</a:t>
+              <a:t>8/5/18</a:t>
             </a:fld>
             <a:endParaRPr lang="en-US" dirty="0"/>
           </a:p>
@@ -1104,7 +1115,7 @@
             <a:fld id="{5586B75A-687E-405C-8A0B-8D00578BA2C3}" type="datetimeFigureOut">
               <a:rPr lang="en-US" dirty="0"/>
               <a:pPr/>
-              <a:t>8/4/18</a:t>
+              <a:t>8/5/18</a:t>
             </a:fld>
             <a:endParaRPr lang="en-US" dirty="0"/>
           </a:p>
@@ -1389,7 +1400,7 @@
             <a:fld id="{5586B75A-687E-405C-8A0B-8D00578BA2C3}" type="datetimeFigureOut">
               <a:rPr lang="en-US" dirty="0"/>
               <a:pPr/>
-              <a:t>8/4/18</a:t>
+              <a:t>8/5/18</a:t>
             </a:fld>
             <a:endParaRPr lang="en-US" dirty="0"/>
           </a:p>
@@ -1828,7 +1839,7 @@
             <a:fld id="{5586B75A-687E-405C-8A0B-8D00578BA2C3}" type="datetimeFigureOut">
               <a:rPr lang="en-US" dirty="0"/>
               <a:pPr/>
-              <a:t>8/4/18</a:t>
+              <a:t>8/5/18</a:t>
             </a:fld>
             <a:endParaRPr lang="en-US" dirty="0"/>
           </a:p>
@@ -1943,7 +1954,7 @@
             <a:fld id="{5586B75A-687E-405C-8A0B-8D00578BA2C3}" type="datetimeFigureOut">
               <a:rPr lang="en-US" dirty="0"/>
               <a:pPr/>
-              <a:t>8/4/18</a:t>
+              <a:t>8/5/18</a:t>
             </a:fld>
             <a:endParaRPr lang="en-US" dirty="0"/>
           </a:p>
@@ -2035,7 +2046,7 @@
             <a:fld id="{5586B75A-687E-405C-8A0B-8D00578BA2C3}" type="datetimeFigureOut">
               <a:rPr lang="en-US" dirty="0"/>
               <a:pPr/>
-              <a:t>8/4/18</a:t>
+              <a:t>8/5/18</a:t>
             </a:fld>
             <a:endParaRPr lang="en-US" dirty="0"/>
           </a:p>
@@ -2320,7 +2331,7 @@
             <a:fld id="{5586B75A-687E-405C-8A0B-8D00578BA2C3}" type="datetimeFigureOut">
               <a:rPr lang="en-US" dirty="0"/>
               <a:pPr/>
-              <a:t>8/4/18</a:t>
+              <a:t>8/5/18</a:t>
             </a:fld>
             <a:endParaRPr lang="en-US" dirty="0"/>
           </a:p>
@@ -2590,7 +2601,7 @@
             <a:fld id="{5586B75A-687E-405C-8A0B-8D00578BA2C3}" type="datetimeFigureOut">
               <a:rPr lang="en-US" dirty="0"/>
               <a:pPr/>
-              <a:t>8/4/18</a:t>
+              <a:t>8/5/18</a:t>
             </a:fld>
             <a:endParaRPr lang="en-US" dirty="0"/>
           </a:p>
@@ -2884,7 +2895,7 @@
             <a:fld id="{5586B75A-687E-405C-8A0B-8D00578BA2C3}" type="datetimeFigureOut">
               <a:rPr lang="en-US" dirty="0"/>
               <a:pPr/>
-              <a:t>8/4/18</a:t>
+              <a:t>8/5/18</a:t>
             </a:fld>
             <a:endParaRPr lang="en-US" dirty="0"/>
           </a:p>
@@ -3381,19 +3392,29 @@
         </p:nvSpPr>
         <p:spPr/>
         <p:txBody>
-          <a:bodyPr/>
-          <a:lstStyle/>
-          <a:p>
-            <a:r>
-              <a:rPr lang="en-US" dirty="0"/>
+          <a:bodyPr>
+            <a:normAutofit fontScale="90000"/>
+          </a:bodyPr>
+          <a:lstStyle/>
+          <a:p>
+            <a:pPr algn="ctr"/>
+            <a:r>
+              <a:rPr lang="en-US" b="1" dirty="0"/>
               <a:t>Who is next?</a:t>
             </a:r>
             <a:br>
-              <a:rPr lang="en-US" dirty="0"/>
+              <a:rPr lang="en-US" b="1" dirty="0"/>
             </a:br>
             <a:r>
               <a:rPr lang="en-US" dirty="0"/>
-              <a:t>Cyber attacks analysis</a:t>
+              <a:t>Analysis of cyber attacks reported between </a:t>
+            </a:r>
+            <a:br>
+              <a:rPr lang="en-US" dirty="0"/>
+            </a:br>
+            <a:r>
+              <a:rPr lang="en-US" dirty="0"/>
+              <a:t>2017-2018</a:t>
             </a:r>
           </a:p>
         </p:txBody>
@@ -3444,7 +3465,7 @@
 </p:sld>
 </file>
 
-<file path=ppt/slides/slide2.xml><?xml version="1.0" encoding="utf-8"?>
+<file path=ppt/slides/slide10.xml><?xml version="1.0" encoding="utf-8"?>
 <p:sld xmlns:a="http://schemas.openxmlformats.org/drawingml/2006/main" xmlns:r="http://schemas.openxmlformats.org/officeDocument/2006/relationships" xmlns:p="http://schemas.openxmlformats.org/presentationml/2006/main">
   <p:cSld>
     <p:spTree>
@@ -3466,7 +3487,7 @@
           <p:cNvPr id="2" name="Title 1">
             <a:extLst>
               <a:ext uri="{FF2B5EF4-FFF2-40B4-BE49-F238E27FC236}">
-                <a16:creationId xmlns:a16="http://schemas.microsoft.com/office/drawing/2014/main" id="{DA07F118-CD63-1F47-9458-C52426A88994}"/>
+                <a16:creationId xmlns:a16="http://schemas.microsoft.com/office/drawing/2014/main" id="{8B520604-AC62-6C4C-AC98-F9B6FB04A8F7}"/>
               </a:ext>
             </a:extLst>
           </p:cNvPr>
@@ -3479,46 +3500,124 @@
         </p:nvSpPr>
         <p:spPr/>
         <p:txBody>
-          <a:bodyPr/>
-          <a:lstStyle/>
-          <a:p>
-            <a:endParaRPr lang="en-US"/>
-          </a:p>
-        </p:txBody>
-      </p:sp>
-      <p:pic>
-        <p:nvPicPr>
-          <p:cNvPr id="9" name="Content Placeholder 8">
+          <a:bodyPr>
+            <a:normAutofit/>
+          </a:bodyPr>
+          <a:lstStyle/>
+          <a:p>
+            <a:pPr algn="ctr"/>
+            <a:r>
+              <a:rPr lang="en-US" sz="3200" dirty="0"/>
+              <a:t>Glassdoor</a:t>
+            </a:r>
+          </a:p>
+        </p:txBody>
+      </p:sp>
+      <p:sp>
+        <p:nvSpPr>
+          <p:cNvPr id="3" name="Content Placeholder 2">
             <a:extLst>
               <a:ext uri="{FF2B5EF4-FFF2-40B4-BE49-F238E27FC236}">
-                <a16:creationId xmlns:a16="http://schemas.microsoft.com/office/drawing/2014/main" id="{ED7814ED-FD68-0140-8165-E47546897911}"/>
+                <a16:creationId xmlns:a16="http://schemas.microsoft.com/office/drawing/2014/main" id="{2592681B-AA0F-F449-AF1F-D8B9AE89EF8F}"/>
               </a:ext>
             </a:extLst>
           </p:cNvPr>
-          <p:cNvPicPr>
-            <a:picLocks noGrp="1" noChangeAspect="1"/>
-          </p:cNvPicPr>
+          <p:cNvSpPr>
+            <a:spLocks noGrp="1"/>
+          </p:cNvSpPr>
           <p:nvPr>
             <p:ph idx="1"/>
           </p:nvPr>
-        </p:nvPicPr>
-        <p:blipFill>
-          <a:blip r:embed="rId2"/>
-          <a:stretch>
-            <a:fillRect/>
-          </a:stretch>
-        </p:blipFill>
-        <p:spPr>
-          <a:xfrm>
-            <a:off x="4349965" y="1363002"/>
-            <a:ext cx="6543027" cy="4362018"/>
-          </a:xfrm>
-        </p:spPr>
-      </p:pic>
+        </p:nvSpPr>
+        <p:spPr/>
+        <p:txBody>
+          <a:bodyPr/>
+          <a:lstStyle/>
+          <a:p>
+            <a:pPr>
+              <a:buFont typeface="Wingdings" pitchFamily="2" charset="2"/>
+              <a:buChar char="v"/>
+            </a:pPr>
+            <a:r>
+              <a:rPr lang="en-US" dirty="0"/>
+              <a:t> identified companies cyber attacked</a:t>
+            </a:r>
+          </a:p>
+          <a:p>
+            <a:pPr>
+              <a:buFont typeface="Wingdings" pitchFamily="2" charset="2"/>
+              <a:buChar char="v"/>
+            </a:pPr>
+            <a:r>
+              <a:rPr lang="en-US" dirty="0"/>
+              <a:t>scraped </a:t>
+            </a:r>
+            <a:r>
+              <a:rPr lang="en-US" i="1" dirty="0" err="1"/>
+              <a:t>www.glassdoor.com</a:t>
+            </a:r>
+            <a:r>
+              <a:rPr lang="en-US" i="1" dirty="0"/>
+              <a:t> </a:t>
+            </a:r>
+            <a:r>
+              <a:rPr lang="en-US" dirty="0"/>
+              <a:t>to collect information on:</a:t>
+            </a:r>
+          </a:p>
+          <a:p>
+            <a:pPr lvl="1">
+              <a:buFont typeface="Wingdings" pitchFamily="2" charset="2"/>
+              <a:buChar char="v"/>
+            </a:pPr>
+            <a:r>
+              <a:rPr lang="en-US" dirty="0"/>
+              <a:t>Company name</a:t>
+            </a:r>
+          </a:p>
+          <a:p>
+            <a:pPr lvl="1">
+              <a:buFont typeface="Wingdings" pitchFamily="2" charset="2"/>
+              <a:buChar char="v"/>
+            </a:pPr>
+            <a:r>
+              <a:rPr lang="en-US" dirty="0"/>
+              <a:t>Category</a:t>
+            </a:r>
+          </a:p>
+          <a:p>
+            <a:pPr lvl="1">
+              <a:buFont typeface="Wingdings" pitchFamily="2" charset="2"/>
+              <a:buChar char="v"/>
+            </a:pPr>
+            <a:r>
+              <a:rPr lang="en-US" dirty="0"/>
+              <a:t>Revenue</a:t>
+            </a:r>
+          </a:p>
+          <a:p>
+            <a:pPr lvl="1">
+              <a:buFont typeface="Wingdings" pitchFamily="2" charset="2"/>
+              <a:buChar char="v"/>
+            </a:pPr>
+            <a:r>
+              <a:rPr lang="en-US" dirty="0"/>
+              <a:t>Employees</a:t>
+            </a:r>
+          </a:p>
+          <a:p>
+            <a:pPr lvl="1">
+              <a:buFont typeface="Wingdings" pitchFamily="2" charset="2"/>
+              <a:buChar char="v"/>
+            </a:pPr>
+            <a:endParaRPr lang="en-US" dirty="0"/>
+          </a:p>
+        </p:txBody>
+      </p:sp>
     </p:spTree>
     <p:extLst>
       <p:ext uri="{BB962C8B-B14F-4D97-AF65-F5344CB8AC3E}">
-        <p14:creationId xmlns:p14="http://schemas.microsoft.com/office/powerpoint/2010/main" val="492928037"/>
+        <p14:creationId xmlns:p14="http://schemas.microsoft.com/office/powerpoint/2010/main" val="1108277037"/>
       </p:ext>
     </p:extLst>
   </p:cSld>
@@ -3528,7 +3627,7 @@
 </p:sld>
 </file>
 
-<file path=ppt/slides/slide3.xml><?xml version="1.0" encoding="utf-8"?>
+<file path=ppt/slides/slide11.xml><?xml version="1.0" encoding="utf-8"?>
 <p:sld xmlns:a="http://schemas.openxmlformats.org/drawingml/2006/main" xmlns:r="http://schemas.openxmlformats.org/officeDocument/2006/relationships" xmlns:p="http://schemas.openxmlformats.org/presentationml/2006/main">
   <p:cSld>
     <p:spTree>
@@ -3550,7 +3649,7 @@
           <p:cNvPr id="2" name="Title 1">
             <a:extLst>
               <a:ext uri="{FF2B5EF4-FFF2-40B4-BE49-F238E27FC236}">
-                <a16:creationId xmlns:a16="http://schemas.microsoft.com/office/drawing/2014/main" id="{B32B28E5-0B47-AC4D-BC53-47E3810F6F4B}"/>
+                <a16:creationId xmlns:a16="http://schemas.microsoft.com/office/drawing/2014/main" id="{67D6D327-AE0F-F644-A3B9-A47F6C3DA349}"/>
               </a:ext>
             </a:extLst>
           </p:cNvPr>
@@ -3566,25 +3665,27 @@
           <a:bodyPr/>
           <a:lstStyle/>
           <a:p>
-            <a:endParaRPr lang="en-US"/>
+            <a:pPr algn="ctr"/>
+            <a:r>
+              <a:rPr lang="en-US" dirty="0"/>
+              <a:t>Attacks by employees</a:t>
+            </a:r>
           </a:p>
         </p:txBody>
       </p:sp>
       <p:pic>
         <p:nvPicPr>
-          <p:cNvPr id="8" name="Content Placeholder 7">
+          <p:cNvPr id="5" name="Picture 4">
             <a:extLst>
               <a:ext uri="{FF2B5EF4-FFF2-40B4-BE49-F238E27FC236}">
-                <a16:creationId xmlns:a16="http://schemas.microsoft.com/office/drawing/2014/main" id="{4FA8679B-6531-1A4F-85F0-486CDD1D4D08}"/>
+                <a16:creationId xmlns:a16="http://schemas.microsoft.com/office/drawing/2014/main" id="{D30E381B-59B7-7740-90E4-168CA94FE66C}"/>
               </a:ext>
             </a:extLst>
           </p:cNvPr>
           <p:cNvPicPr>
-            <a:picLocks noGrp="1" noChangeAspect="1"/>
+            <a:picLocks noChangeAspect="1"/>
           </p:cNvPicPr>
-          <p:nvPr>
-            <p:ph idx="1"/>
-          </p:nvPr>
+          <p:nvPr/>
         </p:nvPicPr>
         <p:blipFill>
           <a:blip r:embed="rId2"/>
@@ -3594,95 +3695,8 @@
         </p:blipFill>
         <p:spPr>
           <a:xfrm>
-            <a:off x="3716681" y="1402474"/>
-            <a:ext cx="7927344" cy="4043908"/>
-          </a:xfrm>
-          <a:prstGeom prst="rect">
-            <a:avLst/>
-          </a:prstGeom>
-        </p:spPr>
-      </p:pic>
-    </p:spTree>
-    <p:extLst>
-      <p:ext uri="{BB962C8B-B14F-4D97-AF65-F5344CB8AC3E}">
-        <p14:creationId xmlns:p14="http://schemas.microsoft.com/office/powerpoint/2010/main" val="3979839597"/>
-      </p:ext>
-    </p:extLst>
-  </p:cSld>
-  <p:clrMapOvr>
-    <a:masterClrMapping/>
-  </p:clrMapOvr>
-</p:sld>
-</file>
-
-<file path=ppt/slides/slide4.xml><?xml version="1.0" encoding="utf-8"?>
-<p:sld xmlns:a="http://schemas.openxmlformats.org/drawingml/2006/main" xmlns:r="http://schemas.openxmlformats.org/officeDocument/2006/relationships" xmlns:p="http://schemas.openxmlformats.org/presentationml/2006/main">
-  <p:cSld>
-    <p:spTree>
-      <p:nvGrpSpPr>
-        <p:cNvPr id="1" name=""/>
-        <p:cNvGrpSpPr/>
-        <p:nvPr/>
-      </p:nvGrpSpPr>
-      <p:grpSpPr>
-        <a:xfrm>
-          <a:off x="0" y="0"/>
-          <a:ext cx="0" cy="0"/>
-          <a:chOff x="0" y="0"/>
-          <a:chExt cx="0" cy="0"/>
-        </a:xfrm>
-      </p:grpSpPr>
-      <p:sp>
-        <p:nvSpPr>
-          <p:cNvPr id="2" name="Title 1">
-            <a:extLst>
-              <a:ext uri="{FF2B5EF4-FFF2-40B4-BE49-F238E27FC236}">
-                <a16:creationId xmlns:a16="http://schemas.microsoft.com/office/drawing/2014/main" id="{67D6D327-AE0F-F644-A3B9-A47F6C3DA349}"/>
-              </a:ext>
-            </a:extLst>
-          </p:cNvPr>
-          <p:cNvSpPr>
-            <a:spLocks noGrp="1"/>
-          </p:cNvSpPr>
-          <p:nvPr>
-            <p:ph type="title"/>
-          </p:nvPr>
-        </p:nvSpPr>
-        <p:spPr/>
-        <p:txBody>
-          <a:bodyPr/>
-          <a:lstStyle/>
-          <a:p>
-            <a:endParaRPr lang="en-US"/>
-          </a:p>
-        </p:txBody>
-      </p:sp>
-      <p:pic>
-        <p:nvPicPr>
-          <p:cNvPr id="8" name="Content Placeholder 7">
-            <a:extLst>
-              <a:ext uri="{FF2B5EF4-FFF2-40B4-BE49-F238E27FC236}">
-                <a16:creationId xmlns:a16="http://schemas.microsoft.com/office/drawing/2014/main" id="{8BACD3A8-62C9-F947-87C3-23AF4FE035FE}"/>
-              </a:ext>
-            </a:extLst>
-          </p:cNvPr>
-          <p:cNvPicPr>
-            <a:picLocks noGrp="1" noChangeAspect="1"/>
-          </p:cNvPicPr>
-          <p:nvPr>
-            <p:ph idx="1"/>
-          </p:nvPr>
-        </p:nvPicPr>
-        <p:blipFill>
-          <a:blip r:embed="rId2"/>
-          <a:stretch>
-            <a:fillRect/>
-          </a:stretch>
-        </p:blipFill>
-        <p:spPr>
-          <a:xfrm>
-            <a:off x="4054532" y="1351369"/>
-            <a:ext cx="6930824" cy="4146118"/>
+            <a:off x="4069591" y="1322841"/>
+            <a:ext cx="6707557" cy="4012556"/>
           </a:xfrm>
           <a:prstGeom prst="rect">
             <a:avLst/>
@@ -3702,7 +3716,7 @@
 </p:sld>
 </file>
 
-<file path=ppt/slides/slide5.xml><?xml version="1.0" encoding="utf-8"?>
+<file path=ppt/slides/slide12.xml><?xml version="1.0" encoding="utf-8"?>
 <p:sld xmlns:a="http://schemas.openxmlformats.org/drawingml/2006/main" xmlns:r="http://schemas.openxmlformats.org/officeDocument/2006/relationships" xmlns:p="http://schemas.openxmlformats.org/presentationml/2006/main">
   <p:cSld>
     <p:spTree>
@@ -3740,7 +3754,11 @@
           <a:bodyPr/>
           <a:lstStyle/>
           <a:p>
-            <a:endParaRPr lang="en-US"/>
+            <a:pPr algn="ctr"/>
+            <a:r>
+              <a:rPr lang="en-US" dirty="0"/>
+              <a:t>Attacks by revenue</a:t>
+            </a:r>
           </a:p>
         </p:txBody>
       </p:sp>
@@ -3789,6 +3807,851 @@
 </p:sld>
 </file>
 
+<file path=ppt/slides/slide13.xml><?xml version="1.0" encoding="utf-8"?>
+<p:sld xmlns:a="http://schemas.openxmlformats.org/drawingml/2006/main" xmlns:r="http://schemas.openxmlformats.org/officeDocument/2006/relationships" xmlns:p="http://schemas.openxmlformats.org/presentationml/2006/main">
+  <p:cSld>
+    <p:spTree>
+      <p:nvGrpSpPr>
+        <p:cNvPr id="1" name=""/>
+        <p:cNvGrpSpPr/>
+        <p:nvPr/>
+      </p:nvGrpSpPr>
+      <p:grpSpPr>
+        <a:xfrm>
+          <a:off x="0" y="0"/>
+          <a:ext cx="0" cy="0"/>
+          <a:chOff x="0" y="0"/>
+          <a:chExt cx="0" cy="0"/>
+        </a:xfrm>
+      </p:grpSpPr>
+      <p:sp>
+        <p:nvSpPr>
+          <p:cNvPr id="2" name="Title 1">
+            <a:extLst>
+              <a:ext uri="{FF2B5EF4-FFF2-40B4-BE49-F238E27FC236}">
+                <a16:creationId xmlns:a16="http://schemas.microsoft.com/office/drawing/2014/main" id="{392229C5-3071-6949-B7A3-6E8F14447928}"/>
+              </a:ext>
+            </a:extLst>
+          </p:cNvPr>
+          <p:cNvSpPr>
+            <a:spLocks noGrp="1"/>
+          </p:cNvSpPr>
+          <p:nvPr>
+            <p:ph type="title"/>
+          </p:nvPr>
+        </p:nvSpPr>
+        <p:spPr/>
+        <p:txBody>
+          <a:bodyPr/>
+          <a:lstStyle/>
+          <a:p>
+            <a:pPr algn="ctr"/>
+            <a:r>
+              <a:rPr lang="en-US" dirty="0"/>
+              <a:t>Relationship between employees and revenue</a:t>
+            </a:r>
+          </a:p>
+        </p:txBody>
+      </p:sp>
+      <p:graphicFrame>
+        <p:nvGraphicFramePr>
+          <p:cNvPr id="4" name="Content Placeholder 3">
+            <a:extLst>
+              <a:ext uri="{FF2B5EF4-FFF2-40B4-BE49-F238E27FC236}">
+                <a16:creationId xmlns:a16="http://schemas.microsoft.com/office/drawing/2014/main" id="{8E2F28C5-1692-8D4C-A9AE-7C7D51F17357}"/>
+              </a:ext>
+            </a:extLst>
+          </p:cNvPr>
+          <p:cNvGraphicFramePr>
+            <a:graphicFrameLocks noGrp="1"/>
+          </p:cNvGraphicFramePr>
+          <p:nvPr>
+            <p:ph idx="1"/>
+            <p:extLst>
+              <p:ext uri="{D42A27DB-BD31-4B8C-83A1-F6EECF244321}">
+                <p14:modId xmlns:p14="http://schemas.microsoft.com/office/powerpoint/2010/main" val="1630773243"/>
+              </p:ext>
+            </p:extLst>
+          </p:nvPr>
+        </p:nvGraphicFramePr>
+        <p:xfrm>
+          <a:off x="3868738" y="863600"/>
+          <a:ext cx="7315200" cy="1752600"/>
+        </p:xfrm>
+        <a:graphic>
+          <a:graphicData uri="http://schemas.openxmlformats.org/drawingml/2006/table">
+            <a:tbl>
+              <a:tblPr firstRow="1" bandRow="1">
+                <a:tableStyleId>{5C22544A-7EE6-4342-B048-85BDC9FD1C3A}</a:tableStyleId>
+              </a:tblPr>
+              <a:tblGrid>
+                <a:gridCol w="3657600">
+                  <a:extLst>
+                    <a:ext uri="{9D8B030D-6E8A-4147-A177-3AD203B41FA5}">
+                      <a16:colId xmlns:a16="http://schemas.microsoft.com/office/drawing/2014/main" val="1965610586"/>
+                    </a:ext>
+                  </a:extLst>
+                </a:gridCol>
+                <a:gridCol w="3657600">
+                  <a:extLst>
+                    <a:ext uri="{9D8B030D-6E8A-4147-A177-3AD203B41FA5}">
+                      <a16:colId xmlns:a16="http://schemas.microsoft.com/office/drawing/2014/main" val="2691113784"/>
+                    </a:ext>
+                  </a:extLst>
+                </a:gridCol>
+              </a:tblGrid>
+              <a:tr h="370840">
+                <a:tc>
+                  <a:txBody>
+                    <a:bodyPr/>
+                    <a:lstStyle/>
+                    <a:p>
+                      <a:r>
+                        <a:rPr lang="en-US" dirty="0"/>
+                        <a:t>Chi-square test (</a:t>
+                      </a:r>
+                      <a:r>
+                        <a:rPr lang="en-US" dirty="0" err="1"/>
+                        <a:t>employees~revenue</a:t>
+                      </a:r>
+                      <a:r>
+                        <a:rPr lang="en-US" dirty="0"/>
+                        <a:t>)</a:t>
+                      </a:r>
+                    </a:p>
+                  </a:txBody>
+                  <a:tcPr/>
+                </a:tc>
+                <a:tc>
+                  <a:txBody>
+                    <a:bodyPr/>
+                    <a:lstStyle/>
+                    <a:p>
+                      <a:endParaRPr lang="en-US"/>
+                    </a:p>
+                  </a:txBody>
+                  <a:tcPr/>
+                </a:tc>
+                <a:extLst>
+                  <a:ext uri="{0D108BD9-81ED-4DB2-BD59-A6C34878D82A}">
+                    <a16:rowId xmlns:a16="http://schemas.microsoft.com/office/drawing/2014/main" val="1002412191"/>
+                  </a:ext>
+                </a:extLst>
+              </a:tr>
+              <a:tr h="370840">
+                <a:tc>
+                  <a:txBody>
+                    <a:bodyPr/>
+                    <a:lstStyle/>
+                    <a:p>
+                      <a:r>
+                        <a:rPr lang="en-US" dirty="0"/>
+                        <a:t>Chi-square statistic</a:t>
+                      </a:r>
+                    </a:p>
+                  </a:txBody>
+                  <a:tcPr/>
+                </a:tc>
+                <a:tc>
+                  <a:txBody>
+                    <a:bodyPr/>
+                    <a:lstStyle/>
+                    <a:p>
+                      <a:r>
+                        <a:rPr lang="en-US" dirty="0"/>
+                        <a:t>70.1219</a:t>
+                      </a:r>
+                    </a:p>
+                  </a:txBody>
+                  <a:tcPr/>
+                </a:tc>
+                <a:extLst>
+                  <a:ext uri="{0D108BD9-81ED-4DB2-BD59-A6C34878D82A}">
+                    <a16:rowId xmlns:a16="http://schemas.microsoft.com/office/drawing/2014/main" val="1039586285"/>
+                  </a:ext>
+                </a:extLst>
+              </a:tr>
+              <a:tr h="370840">
+                <a:tc>
+                  <a:txBody>
+                    <a:bodyPr/>
+                    <a:lstStyle/>
+                    <a:p>
+                      <a:r>
+                        <a:rPr lang="en-US" dirty="0"/>
+                        <a:t>P-value</a:t>
+                      </a:r>
+                    </a:p>
+                  </a:txBody>
+                  <a:tcPr/>
+                </a:tc>
+                <a:tc>
+                  <a:txBody>
+                    <a:bodyPr/>
+                    <a:lstStyle/>
+                    <a:p>
+                      <a:r>
+                        <a:rPr lang="en-US" dirty="0"/>
+                        <a:t>4.67 e-05</a:t>
+                      </a:r>
+                    </a:p>
+                  </a:txBody>
+                  <a:tcPr/>
+                </a:tc>
+                <a:extLst>
+                  <a:ext uri="{0D108BD9-81ED-4DB2-BD59-A6C34878D82A}">
+                    <a16:rowId xmlns:a16="http://schemas.microsoft.com/office/drawing/2014/main" val="460241570"/>
+                  </a:ext>
+                </a:extLst>
+              </a:tr>
+              <a:tr h="370840">
+                <a:tc>
+                  <a:txBody>
+                    <a:bodyPr/>
+                    <a:lstStyle/>
+                    <a:p>
+                      <a:r>
+                        <a:rPr lang="en-US" dirty="0"/>
+                        <a:t>Degree of freedom</a:t>
+                      </a:r>
+                    </a:p>
+                  </a:txBody>
+                  <a:tcPr/>
+                </a:tc>
+                <a:tc>
+                  <a:txBody>
+                    <a:bodyPr/>
+                    <a:lstStyle/>
+                    <a:p>
+                      <a:r>
+                        <a:rPr lang="en-US" dirty="0"/>
+                        <a:t>30</a:t>
+                      </a:r>
+                    </a:p>
+                  </a:txBody>
+                  <a:tcPr/>
+                </a:tc>
+                <a:extLst>
+                  <a:ext uri="{0D108BD9-81ED-4DB2-BD59-A6C34878D82A}">
+                    <a16:rowId xmlns:a16="http://schemas.microsoft.com/office/drawing/2014/main" val="2157775354"/>
+                  </a:ext>
+                </a:extLst>
+              </a:tr>
+            </a:tbl>
+          </a:graphicData>
+        </a:graphic>
+      </p:graphicFrame>
+      <p:sp>
+        <p:nvSpPr>
+          <p:cNvPr id="7" name="TextBox 6">
+            <a:extLst>
+              <a:ext uri="{FF2B5EF4-FFF2-40B4-BE49-F238E27FC236}">
+                <a16:creationId xmlns:a16="http://schemas.microsoft.com/office/drawing/2014/main" id="{09D1F700-C3DF-2444-BCBE-54D8E991C0DA}"/>
+              </a:ext>
+            </a:extLst>
+          </p:cNvPr>
+          <p:cNvSpPr txBox="1"/>
+          <p:nvPr/>
+        </p:nvSpPr>
+        <p:spPr>
+          <a:xfrm>
+            <a:off x="4102217" y="2902591"/>
+            <a:ext cx="6764031" cy="1754326"/>
+          </a:xfrm>
+          <a:prstGeom prst="rect">
+            <a:avLst/>
+          </a:prstGeom>
+          <a:noFill/>
+        </p:spPr>
+        <p:txBody>
+          <a:bodyPr wrap="none" rtlCol="0">
+            <a:spAutoFit/>
+          </a:bodyPr>
+          <a:lstStyle/>
+          <a:p>
+            <a:pPr marL="285750" indent="-285750">
+              <a:buFont typeface="Wingdings" pitchFamily="2" charset="2"/>
+              <a:buChar char="v"/>
+            </a:pPr>
+            <a:r>
+              <a:rPr lang="en-US" dirty="0"/>
+              <a:t>Small companies as well as big companies are likely to be attacked</a:t>
+            </a:r>
+          </a:p>
+          <a:p>
+            <a:pPr marL="742950" lvl="1" indent="-285750">
+              <a:buFont typeface="Wingdings" pitchFamily="2" charset="2"/>
+              <a:buChar char="v"/>
+            </a:pPr>
+            <a:r>
+              <a:rPr lang="en-US" dirty="0"/>
+              <a:t>Non-profits, hospitals</a:t>
+            </a:r>
+          </a:p>
+          <a:p>
+            <a:pPr marL="285750" indent="-285750">
+              <a:buFont typeface="Wingdings" pitchFamily="2" charset="2"/>
+              <a:buChar char="v"/>
+            </a:pPr>
+            <a:endParaRPr lang="en-US" dirty="0"/>
+          </a:p>
+          <a:p>
+            <a:pPr marL="285750" indent="-285750">
+              <a:buFont typeface="Wingdings" pitchFamily="2" charset="2"/>
+              <a:buChar char="v"/>
+            </a:pPr>
+            <a:r>
+              <a:rPr lang="en-US" dirty="0"/>
+              <a:t>Other factors?</a:t>
+            </a:r>
+          </a:p>
+          <a:p>
+            <a:pPr marL="742950" lvl="1" indent="-285750">
+              <a:buFont typeface="Wingdings" pitchFamily="2" charset="2"/>
+              <a:buChar char="v"/>
+            </a:pPr>
+            <a:r>
+              <a:rPr lang="en-US" dirty="0"/>
+              <a:t>Security </a:t>
+            </a:r>
+            <a:r>
+              <a:rPr lang="en-US" dirty="0" err="1"/>
+              <a:t>inplace</a:t>
+            </a:r>
+            <a:r>
+              <a:rPr lang="en-US" dirty="0"/>
+              <a:t>?</a:t>
+            </a:r>
+          </a:p>
+          <a:p>
+            <a:pPr marL="285750" indent="-285750">
+              <a:buFont typeface="Wingdings" pitchFamily="2" charset="2"/>
+              <a:buChar char="v"/>
+            </a:pPr>
+            <a:endParaRPr lang="en-US" dirty="0"/>
+          </a:p>
+        </p:txBody>
+      </p:sp>
+    </p:spTree>
+    <p:extLst>
+      <p:ext uri="{BB962C8B-B14F-4D97-AF65-F5344CB8AC3E}">
+        <p14:creationId xmlns:p14="http://schemas.microsoft.com/office/powerpoint/2010/main" val="2898691916"/>
+      </p:ext>
+    </p:extLst>
+  </p:cSld>
+  <p:clrMapOvr>
+    <a:masterClrMapping/>
+  </p:clrMapOvr>
+</p:sld>
+</file>
+
+<file path=ppt/slides/slide2.xml><?xml version="1.0" encoding="utf-8"?>
+<p:sld xmlns:a="http://schemas.openxmlformats.org/drawingml/2006/main" xmlns:r="http://schemas.openxmlformats.org/officeDocument/2006/relationships" xmlns:p="http://schemas.openxmlformats.org/presentationml/2006/main">
+  <p:cSld>
+    <p:spTree>
+      <p:nvGrpSpPr>
+        <p:cNvPr id="1" name=""/>
+        <p:cNvGrpSpPr/>
+        <p:nvPr/>
+      </p:nvGrpSpPr>
+      <p:grpSpPr>
+        <a:xfrm>
+          <a:off x="0" y="0"/>
+          <a:ext cx="0" cy="0"/>
+          <a:chOff x="0" y="0"/>
+          <a:chExt cx="0" cy="0"/>
+        </a:xfrm>
+      </p:grpSpPr>
+      <p:pic>
+        <p:nvPicPr>
+          <p:cNvPr id="3" name="Picture 2">
+            <a:extLst>
+              <a:ext uri="{FF2B5EF4-FFF2-40B4-BE49-F238E27FC236}">
+                <a16:creationId xmlns:a16="http://schemas.microsoft.com/office/drawing/2014/main" id="{99D07099-D6C6-7D45-9530-15A989E0218D}"/>
+              </a:ext>
+            </a:extLst>
+          </p:cNvPr>
+          <p:cNvPicPr>
+            <a:picLocks noChangeAspect="1"/>
+          </p:cNvPicPr>
+          <p:nvPr/>
+        </p:nvPicPr>
+        <p:blipFill>
+          <a:blip r:embed="rId2"/>
+          <a:stretch>
+            <a:fillRect/>
+          </a:stretch>
+        </p:blipFill>
+        <p:spPr>
+          <a:xfrm>
+            <a:off x="2894668" y="4062167"/>
+            <a:ext cx="9067800" cy="2036743"/>
+          </a:xfrm>
+          <a:prstGeom prst="rect">
+            <a:avLst/>
+          </a:prstGeom>
+        </p:spPr>
+      </p:pic>
+      <p:pic>
+        <p:nvPicPr>
+          <p:cNvPr id="9" name="Picture 8">
+            <a:extLst>
+              <a:ext uri="{FF2B5EF4-FFF2-40B4-BE49-F238E27FC236}">
+                <a16:creationId xmlns:a16="http://schemas.microsoft.com/office/drawing/2014/main" id="{BF9CEB65-B18B-014A-B24C-4331D6EC440C}"/>
+              </a:ext>
+            </a:extLst>
+          </p:cNvPr>
+          <p:cNvPicPr>
+            <a:picLocks noChangeAspect="1"/>
+          </p:cNvPicPr>
+          <p:nvPr/>
+        </p:nvPicPr>
+        <p:blipFill>
+          <a:blip r:embed="rId3"/>
+          <a:stretch>
+            <a:fillRect/>
+          </a:stretch>
+        </p:blipFill>
+        <p:spPr>
+          <a:xfrm>
+            <a:off x="203375" y="426091"/>
+            <a:ext cx="8547100" cy="2667000"/>
+          </a:xfrm>
+          <a:prstGeom prst="rect">
+            <a:avLst/>
+          </a:prstGeom>
+        </p:spPr>
+      </p:pic>
+    </p:spTree>
+    <p:extLst>
+      <p:ext uri="{BB962C8B-B14F-4D97-AF65-F5344CB8AC3E}">
+        <p14:creationId xmlns:p14="http://schemas.microsoft.com/office/powerpoint/2010/main" val="1695957329"/>
+      </p:ext>
+    </p:extLst>
+  </p:cSld>
+  <p:clrMapOvr>
+    <a:masterClrMapping/>
+  </p:clrMapOvr>
+</p:sld>
+</file>
+
+<file path=ppt/slides/slide3.xml><?xml version="1.0" encoding="utf-8"?>
+<p:sld xmlns:a="http://schemas.openxmlformats.org/drawingml/2006/main" xmlns:r="http://schemas.openxmlformats.org/officeDocument/2006/relationships" xmlns:p="http://schemas.openxmlformats.org/presentationml/2006/main">
+  <p:cSld>
+    <p:spTree>
+      <p:nvGrpSpPr>
+        <p:cNvPr id="1" name=""/>
+        <p:cNvGrpSpPr/>
+        <p:nvPr/>
+      </p:nvGrpSpPr>
+      <p:grpSpPr>
+        <a:xfrm>
+          <a:off x="0" y="0"/>
+          <a:ext cx="0" cy="0"/>
+          <a:chOff x="0" y="0"/>
+          <a:chExt cx="0" cy="0"/>
+        </a:xfrm>
+      </p:grpSpPr>
+      <p:sp>
+        <p:nvSpPr>
+          <p:cNvPr id="2" name="Title 1">
+            <a:extLst>
+              <a:ext uri="{FF2B5EF4-FFF2-40B4-BE49-F238E27FC236}">
+                <a16:creationId xmlns:a16="http://schemas.microsoft.com/office/drawing/2014/main" id="{9A2CFFB3-6A08-9244-B193-D3C480E88211}"/>
+              </a:ext>
+            </a:extLst>
+          </p:cNvPr>
+          <p:cNvSpPr>
+            <a:spLocks noGrp="1"/>
+          </p:cNvSpPr>
+          <p:nvPr>
+            <p:ph type="title"/>
+          </p:nvPr>
+        </p:nvSpPr>
+        <p:spPr/>
+        <p:txBody>
+          <a:bodyPr/>
+          <a:lstStyle/>
+          <a:p>
+            <a:pPr algn="ctr"/>
+            <a:r>
+              <a:rPr lang="en-US" dirty="0"/>
+              <a:t>Data breach costs are highest for healthcare industry</a:t>
+            </a:r>
+          </a:p>
+        </p:txBody>
+      </p:sp>
+      <p:pic>
+        <p:nvPicPr>
+          <p:cNvPr id="5" name="Content Placeholder 4">
+            <a:extLst>
+              <a:ext uri="{FF2B5EF4-FFF2-40B4-BE49-F238E27FC236}">
+                <a16:creationId xmlns:a16="http://schemas.microsoft.com/office/drawing/2014/main" id="{921E2470-783A-0F43-9806-9AF9BAD1A047}"/>
+              </a:ext>
+            </a:extLst>
+          </p:cNvPr>
+          <p:cNvPicPr>
+            <a:picLocks noGrp="1" noChangeAspect="1"/>
+          </p:cNvPicPr>
+          <p:nvPr>
+            <p:ph idx="1"/>
+          </p:nvPr>
+        </p:nvPicPr>
+        <p:blipFill>
+          <a:blip r:embed="rId2"/>
+          <a:stretch>
+            <a:fillRect/>
+          </a:stretch>
+        </p:blipFill>
+        <p:spPr>
+          <a:xfrm>
+            <a:off x="3540154" y="724387"/>
+            <a:ext cx="8001873" cy="5606047"/>
+          </a:xfrm>
+        </p:spPr>
+      </p:pic>
+      <p:sp>
+        <p:nvSpPr>
+          <p:cNvPr id="6" name="Rectangle 5">
+            <a:extLst>
+              <a:ext uri="{FF2B5EF4-FFF2-40B4-BE49-F238E27FC236}">
+                <a16:creationId xmlns:a16="http://schemas.microsoft.com/office/drawing/2014/main" id="{92F920B0-33BC-AD42-AA8E-3BDBD1E7C69F}"/>
+              </a:ext>
+            </a:extLst>
+          </p:cNvPr>
+          <p:cNvSpPr/>
+          <p:nvPr/>
+        </p:nvSpPr>
+        <p:spPr>
+          <a:xfrm>
+            <a:off x="6055897" y="6330434"/>
+            <a:ext cx="6136103" cy="369332"/>
+          </a:xfrm>
+          <a:prstGeom prst="rect">
+            <a:avLst/>
+          </a:prstGeom>
+        </p:spPr>
+        <p:txBody>
+          <a:bodyPr wrap="none">
+            <a:spAutoFit/>
+          </a:bodyPr>
+          <a:lstStyle/>
+          <a:p>
+            <a:r>
+              <a:rPr lang="en-US" dirty="0">
+                <a:latin typeface="ibm-plex-sans"/>
+              </a:rPr>
+              <a:t>The 2018 Cost of a Data Breach Study by the </a:t>
+            </a:r>
+            <a:r>
+              <a:rPr lang="en-US" dirty="0" err="1">
+                <a:latin typeface="ibm-plex-sans"/>
+              </a:rPr>
+              <a:t>Ponemon</a:t>
+            </a:r>
+            <a:r>
+              <a:rPr lang="en-US" dirty="0">
+                <a:latin typeface="ibm-plex-sans"/>
+              </a:rPr>
+              <a:t> Institute</a:t>
+            </a:r>
+            <a:endParaRPr lang="en-US" dirty="0"/>
+          </a:p>
+        </p:txBody>
+      </p:sp>
+    </p:spTree>
+    <p:extLst>
+      <p:ext uri="{BB962C8B-B14F-4D97-AF65-F5344CB8AC3E}">
+        <p14:creationId xmlns:p14="http://schemas.microsoft.com/office/powerpoint/2010/main" val="2409162639"/>
+      </p:ext>
+    </p:extLst>
+  </p:cSld>
+  <p:clrMapOvr>
+    <a:masterClrMapping/>
+  </p:clrMapOvr>
+</p:sld>
+</file>
+
+<file path=ppt/slides/slide4.xml><?xml version="1.0" encoding="utf-8"?>
+<p:sld xmlns:a="http://schemas.openxmlformats.org/drawingml/2006/main" xmlns:r="http://schemas.openxmlformats.org/officeDocument/2006/relationships" xmlns:p="http://schemas.openxmlformats.org/presentationml/2006/main">
+  <p:cSld>
+    <p:spTree>
+      <p:nvGrpSpPr>
+        <p:cNvPr id="1" name=""/>
+        <p:cNvGrpSpPr/>
+        <p:nvPr/>
+      </p:nvGrpSpPr>
+      <p:grpSpPr>
+        <a:xfrm>
+          <a:off x="0" y="0"/>
+          <a:ext cx="0" cy="0"/>
+          <a:chOff x="0" y="0"/>
+          <a:chExt cx="0" cy="0"/>
+        </a:xfrm>
+      </p:grpSpPr>
+      <p:sp>
+        <p:nvSpPr>
+          <p:cNvPr id="2" name="Title 1">
+            <a:extLst>
+              <a:ext uri="{FF2B5EF4-FFF2-40B4-BE49-F238E27FC236}">
+                <a16:creationId xmlns:a16="http://schemas.microsoft.com/office/drawing/2014/main" id="{8B520604-AC62-6C4C-AC98-F9B6FB04A8F7}"/>
+              </a:ext>
+            </a:extLst>
+          </p:cNvPr>
+          <p:cNvSpPr>
+            <a:spLocks noGrp="1"/>
+          </p:cNvSpPr>
+          <p:nvPr>
+            <p:ph type="title"/>
+          </p:nvPr>
+        </p:nvSpPr>
+        <p:spPr/>
+        <p:txBody>
+          <a:bodyPr>
+            <a:normAutofit/>
+          </a:bodyPr>
+          <a:lstStyle/>
+          <a:p>
+            <a:r>
+              <a:rPr lang="en-US" sz="3200" dirty="0" err="1"/>
+              <a:t>Hackmageddon</a:t>
+            </a:r>
+            <a:endParaRPr lang="en-US" sz="3200" dirty="0"/>
+          </a:p>
+        </p:txBody>
+      </p:sp>
+      <p:sp>
+        <p:nvSpPr>
+          <p:cNvPr id="3" name="Content Placeholder 2">
+            <a:extLst>
+              <a:ext uri="{FF2B5EF4-FFF2-40B4-BE49-F238E27FC236}">
+                <a16:creationId xmlns:a16="http://schemas.microsoft.com/office/drawing/2014/main" id="{2592681B-AA0F-F449-AF1F-D8B9AE89EF8F}"/>
+              </a:ext>
+            </a:extLst>
+          </p:cNvPr>
+          <p:cNvSpPr>
+            <a:spLocks noGrp="1"/>
+          </p:cNvSpPr>
+          <p:nvPr>
+            <p:ph idx="1"/>
+          </p:nvPr>
+        </p:nvSpPr>
+        <p:spPr/>
+        <p:txBody>
+          <a:bodyPr/>
+          <a:lstStyle/>
+          <a:p>
+            <a:pPr>
+              <a:buFont typeface="Wingdings" pitchFamily="2" charset="2"/>
+              <a:buChar char="v"/>
+            </a:pPr>
+            <a:r>
+              <a:rPr lang="en-US" dirty="0"/>
+              <a:t> scraped </a:t>
+            </a:r>
+            <a:r>
+              <a:rPr lang="en-US" i="1" dirty="0" err="1"/>
+              <a:t>www.hackmageddon.com</a:t>
+            </a:r>
+            <a:r>
+              <a:rPr lang="en-US" i="1" dirty="0"/>
+              <a:t> </a:t>
+            </a:r>
+            <a:r>
+              <a:rPr lang="en-US" dirty="0"/>
+              <a:t>to collect information on:</a:t>
+            </a:r>
+          </a:p>
+          <a:p>
+            <a:pPr lvl="1">
+              <a:buFont typeface="Wingdings" pitchFamily="2" charset="2"/>
+              <a:buChar char="v"/>
+            </a:pPr>
+            <a:r>
+              <a:rPr lang="en-US" dirty="0"/>
+              <a:t>Date of attack</a:t>
+            </a:r>
+          </a:p>
+          <a:p>
+            <a:pPr lvl="1">
+              <a:buFont typeface="Wingdings" pitchFamily="2" charset="2"/>
+              <a:buChar char="v"/>
+            </a:pPr>
+            <a:r>
+              <a:rPr lang="en-US" dirty="0"/>
+              <a:t>Target</a:t>
+            </a:r>
+          </a:p>
+          <a:p>
+            <a:pPr lvl="1">
+              <a:buFont typeface="Wingdings" pitchFamily="2" charset="2"/>
+              <a:buChar char="v"/>
+            </a:pPr>
+            <a:r>
+              <a:rPr lang="en-US" dirty="0" err="1"/>
+              <a:t>Target_class</a:t>
+            </a:r>
+            <a:r>
+              <a:rPr lang="en-US" dirty="0"/>
+              <a:t> (industry category)</a:t>
+            </a:r>
+          </a:p>
+          <a:p>
+            <a:pPr lvl="1">
+              <a:buFont typeface="Wingdings" pitchFamily="2" charset="2"/>
+              <a:buChar char="v"/>
+            </a:pPr>
+            <a:r>
+              <a:rPr lang="en-US" dirty="0"/>
+              <a:t>Type of attack</a:t>
+            </a:r>
+          </a:p>
+          <a:p>
+            <a:pPr lvl="1">
+              <a:buFont typeface="Wingdings" pitchFamily="2" charset="2"/>
+              <a:buChar char="v"/>
+            </a:pPr>
+            <a:r>
+              <a:rPr lang="en-US" dirty="0"/>
+              <a:t>Country</a:t>
+            </a:r>
+          </a:p>
+          <a:p>
+            <a:pPr lvl="1">
+              <a:buFont typeface="Wingdings" pitchFamily="2" charset="2"/>
+              <a:buChar char="v"/>
+            </a:pPr>
+            <a:r>
+              <a:rPr lang="en-US" dirty="0"/>
+              <a:t>Summary</a:t>
+            </a:r>
+          </a:p>
+          <a:p>
+            <a:pPr lvl="1">
+              <a:buFont typeface="Wingdings" pitchFamily="2" charset="2"/>
+              <a:buChar char="v"/>
+            </a:pPr>
+            <a:r>
+              <a:rPr lang="en-US" dirty="0"/>
+              <a:t>Type of attack( crime, espionage, hacktivism, warfare)</a:t>
+            </a:r>
+          </a:p>
+          <a:p>
+            <a:pPr marL="502920" lvl="1" indent="0">
+              <a:buNone/>
+            </a:pPr>
+            <a:endParaRPr lang="en-US" dirty="0"/>
+          </a:p>
+          <a:p>
+            <a:pPr lvl="1">
+              <a:buFont typeface="Wingdings" pitchFamily="2" charset="2"/>
+              <a:buChar char="v"/>
+            </a:pPr>
+            <a:endParaRPr lang="en-US" dirty="0"/>
+          </a:p>
+        </p:txBody>
+      </p:sp>
+    </p:spTree>
+    <p:extLst>
+      <p:ext uri="{BB962C8B-B14F-4D97-AF65-F5344CB8AC3E}">
+        <p14:creationId xmlns:p14="http://schemas.microsoft.com/office/powerpoint/2010/main" val="3027714018"/>
+      </p:ext>
+    </p:extLst>
+  </p:cSld>
+  <p:clrMapOvr>
+    <a:masterClrMapping/>
+  </p:clrMapOvr>
+</p:sld>
+</file>
+
+<file path=ppt/slides/slide5.xml><?xml version="1.0" encoding="utf-8"?>
+<p:sld xmlns:a="http://schemas.openxmlformats.org/drawingml/2006/main" xmlns:r="http://schemas.openxmlformats.org/officeDocument/2006/relationships" xmlns:p="http://schemas.openxmlformats.org/presentationml/2006/main">
+  <p:cSld>
+    <p:spTree>
+      <p:nvGrpSpPr>
+        <p:cNvPr id="1" name=""/>
+        <p:cNvGrpSpPr/>
+        <p:nvPr/>
+      </p:nvGrpSpPr>
+      <p:grpSpPr>
+        <a:xfrm>
+          <a:off x="0" y="0"/>
+          <a:ext cx="0" cy="0"/>
+          <a:chOff x="0" y="0"/>
+          <a:chExt cx="0" cy="0"/>
+        </a:xfrm>
+      </p:grpSpPr>
+      <p:sp>
+        <p:nvSpPr>
+          <p:cNvPr id="2" name="Title 1">
+            <a:extLst>
+              <a:ext uri="{FF2B5EF4-FFF2-40B4-BE49-F238E27FC236}">
+                <a16:creationId xmlns:a16="http://schemas.microsoft.com/office/drawing/2014/main" id="{DA07F118-CD63-1F47-9458-C52426A88994}"/>
+              </a:ext>
+            </a:extLst>
+          </p:cNvPr>
+          <p:cNvSpPr>
+            <a:spLocks noGrp="1"/>
+          </p:cNvSpPr>
+          <p:nvPr>
+            <p:ph type="title"/>
+          </p:nvPr>
+        </p:nvSpPr>
+        <p:spPr/>
+        <p:txBody>
+          <a:bodyPr/>
+          <a:lstStyle/>
+          <a:p>
+            <a:pPr algn="ctr"/>
+            <a:r>
+              <a:rPr lang="en-US" dirty="0"/>
+              <a:t>Trend of increasing cyber attacks for 2018</a:t>
+            </a:r>
+          </a:p>
+        </p:txBody>
+      </p:sp>
+      <p:pic>
+        <p:nvPicPr>
+          <p:cNvPr id="9" name="Content Placeholder 8">
+            <a:extLst>
+              <a:ext uri="{FF2B5EF4-FFF2-40B4-BE49-F238E27FC236}">
+                <a16:creationId xmlns:a16="http://schemas.microsoft.com/office/drawing/2014/main" id="{ED7814ED-FD68-0140-8165-E47546897911}"/>
+              </a:ext>
+            </a:extLst>
+          </p:cNvPr>
+          <p:cNvPicPr>
+            <a:picLocks noGrp="1" noChangeAspect="1"/>
+          </p:cNvPicPr>
+          <p:nvPr>
+            <p:ph idx="1"/>
+          </p:nvPr>
+        </p:nvPicPr>
+        <p:blipFill>
+          <a:blip r:embed="rId2"/>
+          <a:stretch>
+            <a:fillRect/>
+          </a:stretch>
+        </p:blipFill>
+        <p:spPr>
+          <a:xfrm>
+            <a:off x="4349965" y="1363002"/>
+            <a:ext cx="6543027" cy="4362018"/>
+          </a:xfrm>
+        </p:spPr>
+      </p:pic>
+    </p:spTree>
+    <p:extLst>
+      <p:ext uri="{BB962C8B-B14F-4D97-AF65-F5344CB8AC3E}">
+        <p14:creationId xmlns:p14="http://schemas.microsoft.com/office/powerpoint/2010/main" val="492928037"/>
+      </p:ext>
+    </p:extLst>
+  </p:cSld>
+  <p:clrMapOvr>
+    <a:masterClrMapping/>
+  </p:clrMapOvr>
+</p:sld>
+</file>
+
 <file path=ppt/slides/slide6.xml><?xml version="1.0" encoding="utf-8"?>
 <p:sld xmlns:a="http://schemas.openxmlformats.org/drawingml/2006/main" xmlns:r="http://schemas.openxmlformats.org/officeDocument/2006/relationships" xmlns:p="http://schemas.openxmlformats.org/presentationml/2006/main">
   <p:cSld>
@@ -3811,6 +4674,175 @@
           <p:cNvPr id="2" name="Title 1">
             <a:extLst>
               <a:ext uri="{FF2B5EF4-FFF2-40B4-BE49-F238E27FC236}">
+                <a16:creationId xmlns:a16="http://schemas.microsoft.com/office/drawing/2014/main" id="{B32B28E5-0B47-AC4D-BC53-47E3810F6F4B}"/>
+              </a:ext>
+            </a:extLst>
+          </p:cNvPr>
+          <p:cNvSpPr>
+            <a:spLocks noGrp="1"/>
+          </p:cNvSpPr>
+          <p:nvPr>
+            <p:ph type="title"/>
+          </p:nvPr>
+        </p:nvSpPr>
+        <p:spPr/>
+        <p:txBody>
+          <a:bodyPr/>
+          <a:lstStyle/>
+          <a:p>
+            <a:r>
+              <a:rPr lang="en-US" dirty="0"/>
+              <a:t>Top 5 industries affected:</a:t>
+            </a:r>
+            <a:br>
+              <a:rPr lang="en-US" dirty="0"/>
+            </a:br>
+            <a:r>
+              <a:rPr lang="en-US" dirty="0"/>
+              <a:t>	</a:t>
+            </a:r>
+            <a:r>
+              <a:rPr lang="en-US" sz="2000" dirty="0"/>
+              <a:t>Individuals</a:t>
+            </a:r>
+            <a:br>
+              <a:rPr lang="en-US" sz="2000" dirty="0"/>
+            </a:br>
+            <a:r>
+              <a:rPr lang="en-US" sz="2000" dirty="0"/>
+              <a:t>	Healthcare</a:t>
+            </a:r>
+            <a:br>
+              <a:rPr lang="en-US" sz="2000" dirty="0"/>
+            </a:br>
+            <a:r>
+              <a:rPr lang="en-US" sz="2000" dirty="0"/>
+              <a:t>	Fintech</a:t>
+            </a:r>
+            <a:br>
+              <a:rPr lang="en-US" sz="2000" dirty="0"/>
+            </a:br>
+            <a:r>
+              <a:rPr lang="en-US" sz="2000" dirty="0"/>
+              <a:t>	Finances</a:t>
+            </a:r>
+            <a:br>
+              <a:rPr lang="en-US" sz="2000" dirty="0"/>
+            </a:br>
+            <a:r>
+              <a:rPr lang="en-US" sz="2000" dirty="0"/>
+              <a:t>	Multiple Industries</a:t>
+            </a:r>
+            <a:endParaRPr lang="en-US" dirty="0"/>
+          </a:p>
+        </p:txBody>
+      </p:sp>
+      <p:pic>
+        <p:nvPicPr>
+          <p:cNvPr id="8" name="Content Placeholder 7">
+            <a:extLst>
+              <a:ext uri="{FF2B5EF4-FFF2-40B4-BE49-F238E27FC236}">
+                <a16:creationId xmlns:a16="http://schemas.microsoft.com/office/drawing/2014/main" id="{4FA8679B-6531-1A4F-85F0-486CDD1D4D08}"/>
+              </a:ext>
+            </a:extLst>
+          </p:cNvPr>
+          <p:cNvPicPr>
+            <a:picLocks noGrp="1" noChangeAspect="1"/>
+          </p:cNvPicPr>
+          <p:nvPr>
+            <p:ph idx="1"/>
+          </p:nvPr>
+        </p:nvPicPr>
+        <p:blipFill>
+          <a:blip r:embed="rId2"/>
+          <a:stretch>
+            <a:fillRect/>
+          </a:stretch>
+        </p:blipFill>
+        <p:spPr>
+          <a:xfrm>
+            <a:off x="3716681" y="1402474"/>
+            <a:ext cx="7927344" cy="4043908"/>
+          </a:xfrm>
+          <a:prstGeom prst="rect">
+            <a:avLst/>
+          </a:prstGeom>
+        </p:spPr>
+      </p:pic>
+      <p:cxnSp>
+        <p:nvCxnSpPr>
+          <p:cNvPr id="4" name="Straight Arrow Connector 3">
+            <a:extLst>
+              <a:ext uri="{FF2B5EF4-FFF2-40B4-BE49-F238E27FC236}">
+                <a16:creationId xmlns:a16="http://schemas.microsoft.com/office/drawing/2014/main" id="{D34459F5-A59A-754B-B6FA-DF7601D1DB7C}"/>
+              </a:ext>
+            </a:extLst>
+          </p:cNvPr>
+          <p:cNvCxnSpPr/>
+          <p:nvPr/>
+        </p:nvCxnSpPr>
+        <p:spPr>
+          <a:xfrm>
+            <a:off x="4395831" y="3473042"/>
+            <a:ext cx="360726" cy="0"/>
+          </a:xfrm>
+          <a:prstGeom prst="straightConnector1">
+            <a:avLst/>
+          </a:prstGeom>
+          <a:ln>
+            <a:tailEnd type="triangle"/>
+          </a:ln>
+        </p:spPr>
+        <p:style>
+          <a:lnRef idx="1">
+            <a:schemeClr val="accent1"/>
+          </a:lnRef>
+          <a:fillRef idx="0">
+            <a:schemeClr val="accent1"/>
+          </a:fillRef>
+          <a:effectRef idx="0">
+            <a:schemeClr val="accent1"/>
+          </a:effectRef>
+          <a:fontRef idx="minor">
+            <a:schemeClr val="tx1"/>
+          </a:fontRef>
+        </p:style>
+      </p:cxnSp>
+    </p:spTree>
+    <p:extLst>
+      <p:ext uri="{BB962C8B-B14F-4D97-AF65-F5344CB8AC3E}">
+        <p14:creationId xmlns:p14="http://schemas.microsoft.com/office/powerpoint/2010/main" val="3979839597"/>
+      </p:ext>
+    </p:extLst>
+  </p:cSld>
+  <p:clrMapOvr>
+    <a:masterClrMapping/>
+  </p:clrMapOvr>
+</p:sld>
+</file>
+
+<file path=ppt/slides/slide7.xml><?xml version="1.0" encoding="utf-8"?>
+<p:sld xmlns:a="http://schemas.openxmlformats.org/drawingml/2006/main" xmlns:r="http://schemas.openxmlformats.org/officeDocument/2006/relationships" xmlns:p="http://schemas.openxmlformats.org/presentationml/2006/main">
+  <p:cSld>
+    <p:spTree>
+      <p:nvGrpSpPr>
+        <p:cNvPr id="1" name=""/>
+        <p:cNvGrpSpPr/>
+        <p:nvPr/>
+      </p:nvGrpSpPr>
+      <p:grpSpPr>
+        <a:xfrm>
+          <a:off x="0" y="0"/>
+          <a:ext cx="0" cy="0"/>
+          <a:chOff x="0" y="0"/>
+          <a:chExt cx="0" cy="0"/>
+        </a:xfrm>
+      </p:grpSpPr>
+      <p:sp>
+        <p:nvSpPr>
+          <p:cNvPr id="2" name="Title 1">
+            <a:extLst>
+              <a:ext uri="{FF2B5EF4-FFF2-40B4-BE49-F238E27FC236}">
                 <a16:creationId xmlns:a16="http://schemas.microsoft.com/office/drawing/2014/main" id="{6CB27582-842C-9F49-A289-8207D8623206}"/>
               </a:ext>
             </a:extLst>
@@ -3827,7 +4859,11 @@
           <a:bodyPr/>
           <a:lstStyle/>
           <a:p>
-            <a:endParaRPr lang="en-US"/>
+            <a:pPr algn="ctr"/>
+            <a:r>
+              <a:rPr lang="en-US" dirty="0"/>
+              <a:t>Target: Individuals</a:t>
+            </a:r>
           </a:p>
         </p:txBody>
       </p:sp>
@@ -3874,7 +4910,7 @@
 </p:sld>
 </file>
 
-<file path=ppt/slides/slide7.xml><?xml version="1.0" encoding="utf-8"?>
+<file path=ppt/slides/slide8.xml><?xml version="1.0" encoding="utf-8"?>
 <p:sld xmlns:a="http://schemas.openxmlformats.org/drawingml/2006/main" xmlns:r="http://schemas.openxmlformats.org/officeDocument/2006/relationships" xmlns:p="http://schemas.openxmlformats.org/presentationml/2006/main">
   <p:cSld>
     <p:spTree>
@@ -3912,7 +4948,11 @@
           <a:bodyPr/>
           <a:lstStyle/>
           <a:p>
-            <a:endParaRPr lang="en-US"/>
+            <a:pPr algn="ctr"/>
+            <a:r>
+              <a:rPr lang="en-US" dirty="0"/>
+              <a:t>World Cloud of attack descriptions</a:t>
+            </a:r>
           </a:p>
         </p:txBody>
       </p:sp>
@@ -3938,7 +4978,7 @@
         </p:blipFill>
         <p:spPr>
           <a:xfrm>
-            <a:off x="5008419" y="914400"/>
+            <a:off x="4815473" y="708937"/>
             <a:ext cx="5430982" cy="5430982"/>
           </a:xfrm>
           <a:prstGeom prst="rect">
@@ -3950,6 +4990,175 @@
     <p:extLst>
       <p:ext uri="{BB962C8B-B14F-4D97-AF65-F5344CB8AC3E}">
         <p14:creationId xmlns:p14="http://schemas.microsoft.com/office/powerpoint/2010/main" val="2935659907"/>
+      </p:ext>
+    </p:extLst>
+  </p:cSld>
+  <p:clrMapOvr>
+    <a:masterClrMapping/>
+  </p:clrMapOvr>
+</p:sld>
+</file>
+
+<file path=ppt/slides/slide9.xml><?xml version="1.0" encoding="utf-8"?>
+<p:sld xmlns:a="http://schemas.openxmlformats.org/drawingml/2006/main" xmlns:r="http://schemas.openxmlformats.org/officeDocument/2006/relationships" xmlns:p="http://schemas.openxmlformats.org/presentationml/2006/main">
+  <p:cSld>
+    <p:spTree>
+      <p:nvGrpSpPr>
+        <p:cNvPr id="1" name=""/>
+        <p:cNvGrpSpPr/>
+        <p:nvPr/>
+      </p:nvGrpSpPr>
+      <p:grpSpPr>
+        <a:xfrm>
+          <a:off x="0" y="0"/>
+          <a:ext cx="0" cy="0"/>
+          <a:chOff x="0" y="0"/>
+          <a:chExt cx="0" cy="0"/>
+        </a:xfrm>
+      </p:grpSpPr>
+      <p:pic>
+        <p:nvPicPr>
+          <p:cNvPr id="8" name="Content Placeholder 7">
+            <a:extLst>
+              <a:ext uri="{FF2B5EF4-FFF2-40B4-BE49-F238E27FC236}">
+                <a16:creationId xmlns:a16="http://schemas.microsoft.com/office/drawing/2014/main" id="{4FA8679B-6531-1A4F-85F0-486CDD1D4D08}"/>
+              </a:ext>
+            </a:extLst>
+          </p:cNvPr>
+          <p:cNvPicPr>
+            <a:picLocks noGrp="1" noChangeAspect="1"/>
+          </p:cNvPicPr>
+          <p:nvPr>
+            <p:ph idx="1"/>
+          </p:nvPr>
+        </p:nvPicPr>
+        <p:blipFill>
+          <a:blip r:embed="rId2"/>
+          <a:stretch>
+            <a:fillRect/>
+          </a:stretch>
+        </p:blipFill>
+        <p:spPr>
+          <a:xfrm>
+            <a:off x="3716681" y="1402474"/>
+            <a:ext cx="7927344" cy="4043908"/>
+          </a:xfrm>
+          <a:prstGeom prst="rect">
+            <a:avLst/>
+          </a:prstGeom>
+        </p:spPr>
+      </p:pic>
+      <p:sp>
+        <p:nvSpPr>
+          <p:cNvPr id="4" name="Title 1">
+            <a:extLst>
+              <a:ext uri="{FF2B5EF4-FFF2-40B4-BE49-F238E27FC236}">
+                <a16:creationId xmlns:a16="http://schemas.microsoft.com/office/drawing/2014/main" id="{F09C542F-18AA-B14A-A1F2-29D738E8A25C}"/>
+              </a:ext>
+            </a:extLst>
+          </p:cNvPr>
+          <p:cNvSpPr>
+            <a:spLocks noGrp="1"/>
+          </p:cNvSpPr>
+          <p:nvPr>
+            <p:ph type="title"/>
+          </p:nvPr>
+        </p:nvSpPr>
+        <p:spPr/>
+        <p:txBody>
+          <a:bodyPr/>
+          <a:lstStyle/>
+          <a:p>
+            <a:r>
+              <a:rPr lang="en-US" dirty="0"/>
+              <a:t>Top 5 industries affected:</a:t>
+            </a:r>
+            <a:br>
+              <a:rPr lang="en-US" dirty="0"/>
+            </a:br>
+            <a:r>
+              <a:rPr lang="en-US" dirty="0"/>
+              <a:t>	</a:t>
+            </a:r>
+            <a:r>
+              <a:rPr lang="en-US" sz="2000" dirty="0"/>
+              <a:t>Individuals</a:t>
+            </a:r>
+            <a:br>
+              <a:rPr lang="en-US" sz="2000" dirty="0"/>
+            </a:br>
+            <a:r>
+              <a:rPr lang="en-US" sz="2000" dirty="0"/>
+              <a:t>	Healthcare</a:t>
+            </a:r>
+            <a:br>
+              <a:rPr lang="en-US" sz="2000" dirty="0"/>
+            </a:br>
+            <a:r>
+              <a:rPr lang="en-US" sz="2000" dirty="0"/>
+              <a:t>	Fintech</a:t>
+            </a:r>
+            <a:br>
+              <a:rPr lang="en-US" sz="2000" dirty="0"/>
+            </a:br>
+            <a:r>
+              <a:rPr lang="en-US" sz="2000" dirty="0"/>
+              <a:t>	Finances</a:t>
+            </a:r>
+            <a:br>
+              <a:rPr lang="en-US" sz="2000" dirty="0"/>
+            </a:br>
+            <a:r>
+              <a:rPr lang="en-US" sz="2000" dirty="0"/>
+              <a:t>	Multiple Industries</a:t>
+            </a:r>
+            <a:endParaRPr lang="en-US" dirty="0"/>
+          </a:p>
+        </p:txBody>
+      </p:sp>
+      <p:cxnSp>
+        <p:nvCxnSpPr>
+          <p:cNvPr id="5" name="Straight Arrow Connector 4">
+            <a:extLst>
+              <a:ext uri="{FF2B5EF4-FFF2-40B4-BE49-F238E27FC236}">
+                <a16:creationId xmlns:a16="http://schemas.microsoft.com/office/drawing/2014/main" id="{07D606C6-55E2-DA41-A9BB-D2B5B47F7091}"/>
+              </a:ext>
+            </a:extLst>
+          </p:cNvPr>
+          <p:cNvCxnSpPr/>
+          <p:nvPr/>
+        </p:nvCxnSpPr>
+        <p:spPr>
+          <a:xfrm>
+            <a:off x="4429387" y="4060272"/>
+            <a:ext cx="360726" cy="0"/>
+          </a:xfrm>
+          <a:prstGeom prst="straightConnector1">
+            <a:avLst/>
+          </a:prstGeom>
+          <a:ln>
+            <a:tailEnd type="triangle"/>
+          </a:ln>
+        </p:spPr>
+        <p:style>
+          <a:lnRef idx="1">
+            <a:schemeClr val="accent1"/>
+          </a:lnRef>
+          <a:fillRef idx="0">
+            <a:schemeClr val="accent1"/>
+          </a:fillRef>
+          <a:effectRef idx="0">
+            <a:schemeClr val="accent1"/>
+          </a:effectRef>
+          <a:fontRef idx="minor">
+            <a:schemeClr val="tx1"/>
+          </a:fontRef>
+        </p:style>
+      </p:cxnSp>
+    </p:spTree>
+    <p:extLst>
+      <p:ext uri="{BB962C8B-B14F-4D97-AF65-F5344CB8AC3E}">
+        <p14:creationId xmlns:p14="http://schemas.microsoft.com/office/powerpoint/2010/main" val="3444048217"/>
       </p:ext>
     </p:extLst>
   </p:cSld>

--- a/Analysis/hackmageddon_presentation.pptx
+++ b/Analysis/hackmageddon_presentation.pptx
@@ -7,17 +7,19 @@
   <p:sldIdLst>
     <p:sldId id="256" r:id="rId2"/>
     <p:sldId id="265" r:id="rId3"/>
-    <p:sldId id="264" r:id="rId4"/>
-    <p:sldId id="266" r:id="rId5"/>
-    <p:sldId id="257" r:id="rId6"/>
-    <p:sldId id="258" r:id="rId7"/>
-    <p:sldId id="261" r:id="rId8"/>
-    <p:sldId id="262" r:id="rId9"/>
-    <p:sldId id="267" r:id="rId10"/>
+    <p:sldId id="266" r:id="rId4"/>
+    <p:sldId id="257" r:id="rId5"/>
+    <p:sldId id="258" r:id="rId6"/>
+    <p:sldId id="261" r:id="rId7"/>
+    <p:sldId id="262" r:id="rId8"/>
+    <p:sldId id="267" r:id="rId9"/>
+    <p:sldId id="264" r:id="rId10"/>
     <p:sldId id="268" r:id="rId11"/>
     <p:sldId id="259" r:id="rId12"/>
-    <p:sldId id="270" r:id="rId13"/>
-    <p:sldId id="260" r:id="rId14"/>
+    <p:sldId id="272" r:id="rId13"/>
+    <p:sldId id="271" r:id="rId14"/>
+    <p:sldId id="270" r:id="rId15"/>
+    <p:sldId id="260" r:id="rId16"/>
   </p:sldIdLst>
   <p:sldSz cx="9144000" cy="6858000" type="screen4x3"/>
   <p:notesSz cx="6858000" cy="9144000"/>
@@ -349,7 +351,7 @@
             <a:fld id="{5586B75A-687E-405C-8A0B-8D00578BA2C3}" type="datetimeFigureOut">
               <a:rPr lang="en-US" smtClean="0"/>
               <a:pPr/>
-              <a:t>8/6/18</a:t>
+              <a:t>8/7/18</a:t>
             </a:fld>
             <a:endParaRPr lang="en-US" dirty="0"/>
           </a:p>
@@ -521,7 +523,7 @@
             <a:fld id="{5586B75A-687E-405C-8A0B-8D00578BA2C3}" type="datetimeFigureOut">
               <a:rPr lang="en-US" smtClean="0"/>
               <a:pPr/>
-              <a:t>8/6/18</a:t>
+              <a:t>8/7/18</a:t>
             </a:fld>
             <a:endParaRPr lang="en-US" dirty="0"/>
           </a:p>
@@ -703,7 +705,7 @@
             <a:fld id="{5586B75A-687E-405C-8A0B-8D00578BA2C3}" type="datetimeFigureOut">
               <a:rPr lang="en-US" smtClean="0"/>
               <a:pPr/>
-              <a:t>8/6/18</a:t>
+              <a:t>8/7/18</a:t>
             </a:fld>
             <a:endParaRPr lang="en-US" dirty="0"/>
           </a:p>
@@ -875,7 +877,7 @@
             <a:fld id="{5586B75A-687E-405C-8A0B-8D00578BA2C3}" type="datetimeFigureOut">
               <a:rPr lang="en-US" smtClean="0"/>
               <a:pPr/>
-              <a:t>8/6/18</a:t>
+              <a:t>8/7/18</a:t>
             </a:fld>
             <a:endParaRPr lang="en-US" dirty="0"/>
           </a:p>
@@ -1135,7 +1137,7 @@
             <a:fld id="{5586B75A-687E-405C-8A0B-8D00578BA2C3}" type="datetimeFigureOut">
               <a:rPr lang="en-US" smtClean="0"/>
               <a:pPr/>
-              <a:t>8/6/18</a:t>
+              <a:t>8/7/18</a:t>
             </a:fld>
             <a:endParaRPr lang="en-US" dirty="0"/>
           </a:p>
@@ -1425,7 +1427,7 @@
             <a:fld id="{5586B75A-687E-405C-8A0B-8D00578BA2C3}" type="datetimeFigureOut">
               <a:rPr lang="en-US" smtClean="0"/>
               <a:pPr/>
-              <a:t>8/6/18</a:t>
+              <a:t>8/7/18</a:t>
             </a:fld>
             <a:endParaRPr lang="en-US" dirty="0"/>
           </a:p>
@@ -1869,7 +1871,7 @@
             <a:fld id="{5586B75A-687E-405C-8A0B-8D00578BA2C3}" type="datetimeFigureOut">
               <a:rPr lang="en-US" smtClean="0"/>
               <a:pPr/>
-              <a:t>8/6/18</a:t>
+              <a:t>8/7/18</a:t>
             </a:fld>
             <a:endParaRPr lang="en-US" dirty="0"/>
           </a:p>
@@ -1989,7 +1991,7 @@
             <a:fld id="{5586B75A-687E-405C-8A0B-8D00578BA2C3}" type="datetimeFigureOut">
               <a:rPr lang="en-US" smtClean="0"/>
               <a:pPr/>
-              <a:t>8/6/18</a:t>
+              <a:t>8/7/18</a:t>
             </a:fld>
             <a:endParaRPr lang="en-US" dirty="0"/>
           </a:p>
@@ -2086,7 +2088,7 @@
             <a:fld id="{5586B75A-687E-405C-8A0B-8D00578BA2C3}" type="datetimeFigureOut">
               <a:rPr lang="en-US" smtClean="0"/>
               <a:pPr/>
-              <a:t>8/6/18</a:t>
+              <a:t>8/7/18</a:t>
             </a:fld>
             <a:endParaRPr lang="en-US" dirty="0"/>
           </a:p>
@@ -2379,7 +2381,7 @@
             <a:fld id="{5586B75A-687E-405C-8A0B-8D00578BA2C3}" type="datetimeFigureOut">
               <a:rPr lang="en-US" smtClean="0"/>
               <a:pPr/>
-              <a:t>8/6/18</a:t>
+              <a:t>8/7/18</a:t>
             </a:fld>
             <a:endParaRPr lang="en-US" dirty="0"/>
           </a:p>
@@ -2657,7 +2659,7 @@
             <a:fld id="{5586B75A-687E-405C-8A0B-8D00578BA2C3}" type="datetimeFigureOut">
               <a:rPr lang="en-US" smtClean="0"/>
               <a:pPr/>
-              <a:t>8/6/18</a:t>
+              <a:t>8/7/18</a:t>
             </a:fld>
             <a:endParaRPr lang="en-US" dirty="0"/>
           </a:p>
@@ -2956,7 +2958,7 @@
             <a:fld id="{5586B75A-687E-405C-8A0B-8D00578BA2C3}" type="datetimeFigureOut">
               <a:rPr lang="en-US" smtClean="0"/>
               <a:pPr/>
-              <a:t>8/6/18</a:t>
+              <a:t>8/7/18</a:t>
             </a:fld>
             <a:endParaRPr lang="en-US" dirty="0"/>
           </a:p>
@@ -3597,7 +3599,12 @@
             <p:ph idx="1"/>
           </p:nvPr>
         </p:nvSpPr>
-        <p:spPr/>
+        <p:spPr>
+          <a:xfrm>
+            <a:off x="2875574" y="615461"/>
+            <a:ext cx="5486400" cy="2971800"/>
+          </a:xfrm>
+        </p:spPr>
         <p:txBody>
           <a:bodyPr/>
           <a:lstStyle/>
@@ -3681,15 +3688,38 @@
               <a:t>Employees</a:t>
             </a:r>
           </a:p>
-          <a:p>
-            <a:pPr lvl="1">
-              <a:buFont typeface="Wingdings" pitchFamily="2" charset="2"/>
-              <a:buChar char="v"/>
-            </a:pPr>
-            <a:endParaRPr lang="en-US" dirty="0"/>
-          </a:p>
-        </p:txBody>
-      </p:sp>
+        </p:txBody>
+      </p:sp>
+      <p:pic>
+        <p:nvPicPr>
+          <p:cNvPr id="5" name="Picture 4">
+            <a:extLst>
+              <a:ext uri="{FF2B5EF4-FFF2-40B4-BE49-F238E27FC236}">
+                <a16:creationId xmlns:a16="http://schemas.microsoft.com/office/drawing/2014/main" id="{7CEDFFD6-5098-234C-9426-39E35B807DF1}"/>
+              </a:ext>
+            </a:extLst>
+          </p:cNvPr>
+          <p:cNvPicPr>
+            <a:picLocks noChangeAspect="1"/>
+          </p:cNvPicPr>
+          <p:nvPr/>
+        </p:nvPicPr>
+        <p:blipFill>
+          <a:blip r:embed="rId2"/>
+          <a:stretch>
+            <a:fillRect/>
+          </a:stretch>
+        </p:blipFill>
+        <p:spPr>
+          <a:xfrm>
+            <a:off x="2792046" y="3748057"/>
+            <a:ext cx="5885961" cy="1976964"/>
+          </a:xfrm>
+          <a:prstGeom prst="rect">
+            <a:avLst/>
+          </a:prstGeom>
+        </p:spPr>
+      </p:pic>
     </p:spTree>
     <p:extLst>
       <p:ext uri="{BB962C8B-B14F-4D97-AF65-F5344CB8AC3E}">
@@ -3744,26 +3774,31 @@
             <a:pPr algn="ctr"/>
             <a:r>
               <a:rPr lang="en-US" dirty="0"/>
-              <a:t>Attacks by employees and revenue</a:t>
+              <a:t>Healthcare:</a:t>
+            </a:r>
+            <a:br>
+              <a:rPr lang="en-US" dirty="0"/>
+            </a:br>
+            <a:r>
+              <a:rPr lang="en-US" dirty="0"/>
+              <a:t>Attacks by employees and revenues</a:t>
             </a:r>
           </a:p>
         </p:txBody>
       </p:sp>
       <p:pic>
         <p:nvPicPr>
-          <p:cNvPr id="4" name="Content Placeholder 3">
+          <p:cNvPr id="11" name="Content Placeholder 3">
             <a:extLst>
               <a:ext uri="{FF2B5EF4-FFF2-40B4-BE49-F238E27FC236}">
-                <a16:creationId xmlns:a16="http://schemas.microsoft.com/office/drawing/2014/main" id="{C5234F51-71DD-4444-9915-75E6389E7A40}"/>
+                <a16:creationId xmlns:a16="http://schemas.microsoft.com/office/drawing/2014/main" id="{D34A4E11-3F46-9649-87F7-2069E296BFA7}"/>
               </a:ext>
             </a:extLst>
           </p:cNvPr>
           <p:cNvPicPr>
-            <a:picLocks noGrp="1" noChangeAspect="1"/>
+            <a:picLocks noChangeAspect="1"/>
           </p:cNvPicPr>
-          <p:nvPr>
-            <p:ph idx="1"/>
-          </p:nvPr>
+          <p:nvPr/>
         </p:nvPicPr>
         <p:blipFill>
           <a:blip r:embed="rId2"/>
@@ -3773,8 +3808,8 @@
         </p:blipFill>
         <p:spPr>
           <a:xfrm>
-            <a:off x="3329508" y="3802530"/>
-            <a:ext cx="4600687" cy="2645889"/>
+            <a:off x="3505649" y="779002"/>
+            <a:ext cx="4132952" cy="2376891"/>
           </a:xfrm>
           <a:prstGeom prst="rect">
             <a:avLst/>
@@ -3783,10 +3818,10 @@
       </p:pic>
       <p:pic>
         <p:nvPicPr>
-          <p:cNvPr id="5" name="Picture 4">
+          <p:cNvPr id="12" name="Picture 11">
             <a:extLst>
               <a:ext uri="{FF2B5EF4-FFF2-40B4-BE49-F238E27FC236}">
-                <a16:creationId xmlns:a16="http://schemas.microsoft.com/office/drawing/2014/main" id="{D30E381B-59B7-7740-90E4-168CA94FE66C}"/>
+                <a16:creationId xmlns:a16="http://schemas.microsoft.com/office/drawing/2014/main" id="{28228F20-5D99-D244-BCD7-5D7AD72A39A8}"/>
               </a:ext>
             </a:extLst>
           </p:cNvPr>
@@ -3803,8 +3838,8 @@
         </p:blipFill>
         <p:spPr>
           <a:xfrm>
-            <a:off x="3329508" y="296357"/>
-            <a:ext cx="4600687" cy="2752196"/>
+            <a:off x="3635123" y="3330084"/>
+            <a:ext cx="4003478" cy="2394937"/>
           </a:xfrm>
           <a:prstGeom prst="rect">
             <a:avLst/>
@@ -3846,6 +3881,184 @@
           <p:cNvPr id="2" name="Title 1">
             <a:extLst>
               <a:ext uri="{FF2B5EF4-FFF2-40B4-BE49-F238E27FC236}">
+                <a16:creationId xmlns:a16="http://schemas.microsoft.com/office/drawing/2014/main" id="{720F9E25-70D1-B14A-9E33-69A3D9D752D5}"/>
+              </a:ext>
+            </a:extLst>
+          </p:cNvPr>
+          <p:cNvSpPr>
+            <a:spLocks noGrp="1"/>
+          </p:cNvSpPr>
+          <p:nvPr>
+            <p:ph type="title"/>
+          </p:nvPr>
+        </p:nvSpPr>
+        <p:spPr/>
+        <p:txBody>
+          <a:bodyPr/>
+          <a:lstStyle/>
+          <a:p>
+            <a:pPr algn="ctr"/>
+            <a:r>
+              <a:rPr lang="en-US" dirty="0"/>
+              <a:t>Attacks by revenue</a:t>
+            </a:r>
+          </a:p>
+        </p:txBody>
+      </p:sp>
+      <p:pic>
+        <p:nvPicPr>
+          <p:cNvPr id="8" name="Picture 7">
+            <a:extLst>
+              <a:ext uri="{FF2B5EF4-FFF2-40B4-BE49-F238E27FC236}">
+                <a16:creationId xmlns:a16="http://schemas.microsoft.com/office/drawing/2014/main" id="{81D5305C-0793-7A4F-AAC9-33FA2396114C}"/>
+              </a:ext>
+            </a:extLst>
+          </p:cNvPr>
+          <p:cNvPicPr>
+            <a:picLocks noChangeAspect="1"/>
+          </p:cNvPicPr>
+          <p:nvPr/>
+        </p:nvPicPr>
+        <p:blipFill>
+          <a:blip r:embed="rId2"/>
+          <a:stretch>
+            <a:fillRect/>
+          </a:stretch>
+        </p:blipFill>
+        <p:spPr>
+          <a:xfrm>
+            <a:off x="2785122" y="1735391"/>
+            <a:ext cx="5713760" cy="3158826"/>
+          </a:xfrm>
+          <a:prstGeom prst="rect">
+            <a:avLst/>
+          </a:prstGeom>
+        </p:spPr>
+      </p:pic>
+    </p:spTree>
+    <p:extLst>
+      <p:ext uri="{BB962C8B-B14F-4D97-AF65-F5344CB8AC3E}">
+        <p14:creationId xmlns:p14="http://schemas.microsoft.com/office/powerpoint/2010/main" val="3497805051"/>
+      </p:ext>
+    </p:extLst>
+  </p:cSld>
+  <p:clrMapOvr>
+    <a:masterClrMapping/>
+  </p:clrMapOvr>
+</p:sld>
+</file>
+
+<file path=ppt/slides/slide13.xml><?xml version="1.0" encoding="utf-8"?>
+<p:sld xmlns:a="http://schemas.openxmlformats.org/drawingml/2006/main" xmlns:r="http://schemas.openxmlformats.org/officeDocument/2006/relationships" xmlns:p="http://schemas.openxmlformats.org/presentationml/2006/main">
+  <p:cSld>
+    <p:spTree>
+      <p:nvGrpSpPr>
+        <p:cNvPr id="1" name=""/>
+        <p:cNvGrpSpPr/>
+        <p:nvPr/>
+      </p:nvGrpSpPr>
+      <p:grpSpPr>
+        <a:xfrm>
+          <a:off x="0" y="0"/>
+          <a:ext cx="0" cy="0"/>
+          <a:chOff x="0" y="0"/>
+          <a:chExt cx="0" cy="0"/>
+        </a:xfrm>
+      </p:grpSpPr>
+      <p:sp>
+        <p:nvSpPr>
+          <p:cNvPr id="2" name="Title 1">
+            <a:extLst>
+              <a:ext uri="{FF2B5EF4-FFF2-40B4-BE49-F238E27FC236}">
+                <a16:creationId xmlns:a16="http://schemas.microsoft.com/office/drawing/2014/main" id="{720F9E25-70D1-B14A-9E33-69A3D9D752D5}"/>
+              </a:ext>
+            </a:extLst>
+          </p:cNvPr>
+          <p:cNvSpPr>
+            <a:spLocks noGrp="1"/>
+          </p:cNvSpPr>
+          <p:nvPr>
+            <p:ph type="title"/>
+          </p:nvPr>
+        </p:nvSpPr>
+        <p:spPr/>
+        <p:txBody>
+          <a:bodyPr/>
+          <a:lstStyle/>
+          <a:p>
+            <a:pPr algn="ctr"/>
+            <a:r>
+              <a:rPr lang="en-US" dirty="0"/>
+              <a:t>Attacks by employees</a:t>
+            </a:r>
+          </a:p>
+        </p:txBody>
+      </p:sp>
+      <p:pic>
+        <p:nvPicPr>
+          <p:cNvPr id="12" name="Picture 11">
+            <a:extLst>
+              <a:ext uri="{FF2B5EF4-FFF2-40B4-BE49-F238E27FC236}">
+                <a16:creationId xmlns:a16="http://schemas.microsoft.com/office/drawing/2014/main" id="{980FFC3F-7DA7-8641-9BD5-07EE62A9817B}"/>
+              </a:ext>
+            </a:extLst>
+          </p:cNvPr>
+          <p:cNvPicPr>
+            <a:picLocks noChangeAspect="1"/>
+          </p:cNvPicPr>
+          <p:nvPr/>
+        </p:nvPicPr>
+        <p:blipFill>
+          <a:blip r:embed="rId2"/>
+          <a:stretch>
+            <a:fillRect/>
+          </a:stretch>
+        </p:blipFill>
+        <p:spPr>
+          <a:xfrm>
+            <a:off x="2856412" y="1492503"/>
+            <a:ext cx="5880522" cy="3447202"/>
+          </a:xfrm>
+          <a:prstGeom prst="rect">
+            <a:avLst/>
+          </a:prstGeom>
+        </p:spPr>
+      </p:pic>
+    </p:spTree>
+    <p:extLst>
+      <p:ext uri="{BB962C8B-B14F-4D97-AF65-F5344CB8AC3E}">
+        <p14:creationId xmlns:p14="http://schemas.microsoft.com/office/powerpoint/2010/main" val="3814964568"/>
+      </p:ext>
+    </p:extLst>
+  </p:cSld>
+  <p:clrMapOvr>
+    <a:masterClrMapping/>
+  </p:clrMapOvr>
+</p:sld>
+</file>
+
+<file path=ppt/slides/slide14.xml><?xml version="1.0" encoding="utf-8"?>
+<p:sld xmlns:a="http://schemas.openxmlformats.org/drawingml/2006/main" xmlns:r="http://schemas.openxmlformats.org/officeDocument/2006/relationships" xmlns:p="http://schemas.openxmlformats.org/presentationml/2006/main">
+  <p:cSld>
+    <p:spTree>
+      <p:nvGrpSpPr>
+        <p:cNvPr id="1" name=""/>
+        <p:cNvGrpSpPr/>
+        <p:nvPr/>
+      </p:nvGrpSpPr>
+      <p:grpSpPr>
+        <a:xfrm>
+          <a:off x="0" y="0"/>
+          <a:ext cx="0" cy="0"/>
+          <a:chOff x="0" y="0"/>
+          <a:chExt cx="0" cy="0"/>
+        </a:xfrm>
+      </p:grpSpPr>
+      <p:sp>
+        <p:nvSpPr>
+          <p:cNvPr id="2" name="Title 1">
+            <a:extLst>
+              <a:ext uri="{FF2B5EF4-FFF2-40B4-BE49-F238E27FC236}">
                 <a16:creationId xmlns:a16="http://schemas.microsoft.com/office/drawing/2014/main" id="{1614DE60-1381-2345-90E8-E9515B035D39}"/>
               </a:ext>
             </a:extLst>
@@ -3862,10 +4075,16 @@
           <a:bodyPr/>
           <a:lstStyle/>
           <a:p>
+            <a:pPr algn="ctr"/>
             <a:r>
               <a:rPr lang="en-US" dirty="0"/>
-              <a:t>World Cloud of attack descriptions</a:t>
-            </a:r>
+              <a:t>Healthcare: </a:t>
+            </a:r>
+            <a:r>
+              <a:rPr lang="en-US" dirty="0" err="1"/>
+              <a:t>WordCloud</a:t>
+            </a:r>
+            <a:endParaRPr lang="en-US" dirty="0"/>
           </a:p>
         </p:txBody>
       </p:sp>
@@ -3912,7 +4131,7 @@
 </p:sld>
 </file>
 
-<file path=ppt/slides/slide13.xml><?xml version="1.0" encoding="utf-8"?>
+<file path=ppt/slides/slide15.xml><?xml version="1.0" encoding="utf-8"?>
 <p:sld xmlns:a="http://schemas.openxmlformats.org/drawingml/2006/main" xmlns:r="http://schemas.openxmlformats.org/officeDocument/2006/relationships" xmlns:p="http://schemas.openxmlformats.org/presentationml/2006/main">
   <p:cSld>
     <p:spTree>
@@ -3979,6 +4198,15 @@
           <a:bodyPr/>
           <a:lstStyle/>
           <a:p>
+            <a:pPr marL="0" indent="0">
+              <a:buNone/>
+            </a:pPr>
+            <a:r>
+              <a:rPr lang="en-US" b="1" dirty="0"/>
+              <a:t>Individuals</a:t>
+            </a:r>
+          </a:p>
+          <a:p>
             <a:pPr>
               <a:buFont typeface="Wingdings" pitchFamily="2" charset="2"/>
               <a:buChar char="v"/>
@@ -3999,6 +4227,21 @@
             </a:r>
           </a:p>
           <a:p>
+            <a:pPr marL="502920" lvl="1" indent="0">
+              <a:buNone/>
+            </a:pPr>
+            <a:r>
+              <a:rPr lang="en-US" b="1" dirty="0">
+                <a:solidFill>
+                  <a:schemeClr val="accent5">
+                    <a:lumMod val="75000"/>
+                  </a:schemeClr>
+                </a:solidFill>
+              </a:rPr>
+              <a:t>Tip: avoid free wi-fi and useless apps</a:t>
+            </a:r>
+          </a:p>
+          <a:p>
             <a:pPr lvl="1">
               <a:buFont typeface="Wingdings" pitchFamily="2" charset="2"/>
               <a:buChar char="v"/>
@@ -4006,21 +4249,22 @@
             <a:endParaRPr lang="en-US" dirty="0"/>
           </a:p>
           <a:p>
+            <a:pPr marL="0" indent="0">
+              <a:buNone/>
+            </a:pPr>
+            <a:r>
+              <a:rPr lang="en-US" b="1" dirty="0"/>
+              <a:t>Healthcare</a:t>
+            </a:r>
+          </a:p>
+          <a:p>
             <a:pPr>
               <a:buFont typeface="Wingdings" pitchFamily="2" charset="2"/>
               <a:buChar char="v"/>
             </a:pPr>
             <a:r>
               <a:rPr lang="en-US" dirty="0"/>
-              <a:t>Hospitals are ‘</a:t>
-            </a:r>
-            <a:r>
-              <a:rPr lang="en-US"/>
-              <a:t>preferred’ target </a:t>
-            </a:r>
-            <a:r>
-              <a:rPr lang="en-US" dirty="0"/>
-              <a:t>due to the sensitive information to be gained</a:t>
+              <a:t>Hospitals, small private companies, and large non-profits are main targets</a:t>
             </a:r>
           </a:p>
           <a:p>
@@ -4038,7 +4282,13 @@
               <a:buNone/>
             </a:pPr>
             <a:r>
-              <a:rPr lang="en-US" b="1" dirty="0"/>
+              <a:rPr lang="en-US" b="1" dirty="0">
+                <a:solidFill>
+                  <a:schemeClr val="accent5">
+                    <a:lumMod val="75000"/>
+                  </a:schemeClr>
+                </a:solidFill>
+              </a:rPr>
               <a:t>Tip: scale up cyber security training for employees</a:t>
             </a:r>
           </a:p>
@@ -4063,23 +4313,15 @@
               <a:buNone/>
             </a:pPr>
             <a:r>
-              <a:rPr lang="en-US" b="1" dirty="0"/>
+              <a:rPr lang="en-US" b="1" dirty="0">
+                <a:solidFill>
+                  <a:schemeClr val="accent5">
+                    <a:lumMod val="75000"/>
+                  </a:schemeClr>
+                </a:solidFill>
+              </a:rPr>
               <a:t>Tip: scale up cyber security investment!</a:t>
             </a:r>
-          </a:p>
-          <a:p>
-            <a:pPr>
-              <a:buFont typeface="Wingdings" pitchFamily="2" charset="2"/>
-              <a:buChar char="v"/>
-            </a:pPr>
-            <a:endParaRPr lang="en-US" dirty="0"/>
-          </a:p>
-          <a:p>
-            <a:pPr>
-              <a:buFont typeface="Wingdings" pitchFamily="2" charset="2"/>
-              <a:buChar char="v"/>
-            </a:pPr>
-            <a:endParaRPr lang="en-US" dirty="0"/>
           </a:p>
         </p:txBody>
       </p:sp>
@@ -4208,7 +4450,7 @@
           <p:cNvPr id="2" name="Title 1">
             <a:extLst>
               <a:ext uri="{FF2B5EF4-FFF2-40B4-BE49-F238E27FC236}">
-                <a16:creationId xmlns:a16="http://schemas.microsoft.com/office/drawing/2014/main" id="{9A2CFFB3-6A08-9244-B193-D3C480E88211}"/>
+                <a16:creationId xmlns:a16="http://schemas.microsoft.com/office/drawing/2014/main" id="{8B520604-AC62-6C4C-AC98-F9B6FB04A8F7}"/>
               </a:ext>
             </a:extLst>
           </p:cNvPr>
@@ -4221,32 +4463,155 @@
         </p:nvSpPr>
         <p:spPr/>
         <p:txBody>
-          <a:bodyPr/>
-          <a:lstStyle/>
-          <a:p>
-            <a:pPr algn="ctr"/>
+          <a:bodyPr>
+            <a:normAutofit/>
+          </a:bodyPr>
+          <a:lstStyle/>
+          <a:p>
+            <a:r>
+              <a:rPr lang="en-US" sz="2400" dirty="0" err="1"/>
+              <a:t>Hackmageddon</a:t>
+            </a:r>
+            <a:endParaRPr lang="en-US" sz="2400" dirty="0"/>
+          </a:p>
+        </p:txBody>
+      </p:sp>
+      <p:sp>
+        <p:nvSpPr>
+          <p:cNvPr id="3" name="Content Placeholder 2">
+            <a:extLst>
+              <a:ext uri="{FF2B5EF4-FFF2-40B4-BE49-F238E27FC236}">
+                <a16:creationId xmlns:a16="http://schemas.microsoft.com/office/drawing/2014/main" id="{2592681B-AA0F-F449-AF1F-D8B9AE89EF8F}"/>
+              </a:ext>
+            </a:extLst>
+          </p:cNvPr>
+          <p:cNvSpPr>
+            <a:spLocks noGrp="1"/>
+          </p:cNvSpPr>
+          <p:nvPr>
+            <p:ph idx="1"/>
+          </p:nvPr>
+        </p:nvSpPr>
+        <p:spPr>
+          <a:xfrm>
+            <a:off x="2901951" y="354154"/>
+            <a:ext cx="5486400" cy="3795815"/>
+          </a:xfrm>
+        </p:spPr>
+        <p:txBody>
+          <a:bodyPr/>
+          <a:lstStyle/>
+          <a:p>
+            <a:pPr>
+              <a:buFont typeface="Wingdings" pitchFamily="2" charset="2"/>
+              <a:buChar char="v"/>
+            </a:pPr>
             <a:r>
               <a:rPr lang="en-US" dirty="0"/>
-              <a:t>Data breach costs are highest for healthcare industry</a:t>
+              <a:t> scraped </a:t>
+            </a:r>
+            <a:r>
+              <a:rPr lang="en-US" i="1" dirty="0" err="1"/>
+              <a:t>www.hackmageddon.com</a:t>
+            </a:r>
+            <a:r>
+              <a:rPr lang="en-US" i="1" dirty="0"/>
+              <a:t> </a:t>
+            </a:r>
+            <a:r>
+              <a:rPr lang="en-US" dirty="0"/>
+              <a:t>to collect information on:</a:t>
+            </a:r>
+          </a:p>
+          <a:p>
+            <a:pPr lvl="1">
+              <a:buFont typeface="Wingdings" pitchFamily="2" charset="2"/>
+              <a:buChar char="v"/>
+            </a:pPr>
+            <a:r>
+              <a:rPr lang="en-US" dirty="0"/>
+              <a:t>Date of attack</a:t>
+            </a:r>
+          </a:p>
+          <a:p>
+            <a:pPr lvl="1">
+              <a:buFont typeface="Wingdings" pitchFamily="2" charset="2"/>
+              <a:buChar char="v"/>
+            </a:pPr>
+            <a:r>
+              <a:rPr lang="en-US" dirty="0"/>
+              <a:t>Target</a:t>
+            </a:r>
+          </a:p>
+          <a:p>
+            <a:pPr lvl="1">
+              <a:buFont typeface="Wingdings" pitchFamily="2" charset="2"/>
+              <a:buChar char="v"/>
+            </a:pPr>
+            <a:r>
+              <a:rPr lang="en-US" dirty="0" err="1"/>
+              <a:t>Target_class</a:t>
+            </a:r>
+            <a:r>
+              <a:rPr lang="en-US" dirty="0"/>
+              <a:t> (industry category)</a:t>
+            </a:r>
+          </a:p>
+          <a:p>
+            <a:pPr lvl="1">
+              <a:buFont typeface="Wingdings" pitchFamily="2" charset="2"/>
+              <a:buChar char="v"/>
+            </a:pPr>
+            <a:r>
+              <a:rPr lang="en-US" dirty="0"/>
+              <a:t>Type of attack</a:t>
+            </a:r>
+          </a:p>
+          <a:p>
+            <a:pPr lvl="1">
+              <a:buFont typeface="Wingdings" pitchFamily="2" charset="2"/>
+              <a:buChar char="v"/>
+            </a:pPr>
+            <a:r>
+              <a:rPr lang="en-US" dirty="0"/>
+              <a:t>Country</a:t>
+            </a:r>
+          </a:p>
+          <a:p>
+            <a:pPr lvl="1">
+              <a:buFont typeface="Wingdings" pitchFamily="2" charset="2"/>
+              <a:buChar char="v"/>
+            </a:pPr>
+            <a:r>
+              <a:rPr lang="en-US" dirty="0"/>
+              <a:t>Summary</a:t>
+            </a:r>
+          </a:p>
+          <a:p>
+            <a:pPr lvl="1">
+              <a:buFont typeface="Wingdings" pitchFamily="2" charset="2"/>
+              <a:buChar char="v"/>
+            </a:pPr>
+            <a:r>
+              <a:rPr lang="en-US" dirty="0"/>
+              <a:t>Type of attack( crime, espionage, hacktivism, warfare)</a:t>
             </a:r>
           </a:p>
         </p:txBody>
       </p:sp>
       <p:pic>
         <p:nvPicPr>
-          <p:cNvPr id="5" name="Content Placeholder 4">
+          <p:cNvPr id="5" name="Picture 4">
             <a:extLst>
               <a:ext uri="{FF2B5EF4-FFF2-40B4-BE49-F238E27FC236}">
-                <a16:creationId xmlns:a16="http://schemas.microsoft.com/office/drawing/2014/main" id="{921E2470-783A-0F43-9806-9AF9BAD1A047}"/>
+                <a16:creationId xmlns:a16="http://schemas.microsoft.com/office/drawing/2014/main" id="{1AE3388A-8C1E-464E-929C-A0451041A8A5}"/>
               </a:ext>
             </a:extLst>
           </p:cNvPr>
           <p:cNvPicPr>
-            <a:picLocks noGrp="1" noChangeAspect="1"/>
+            <a:picLocks noChangeAspect="1"/>
           </p:cNvPicPr>
-          <p:nvPr>
-            <p:ph idx="1"/>
-          </p:nvPr>
+          <p:nvPr/>
         </p:nvPicPr>
         <p:blipFill>
           <a:blip r:embed="rId2"/>
@@ -4256,64 +4621,18 @@
         </p:blipFill>
         <p:spPr>
           <a:xfrm>
-            <a:off x="2901950" y="1502374"/>
-            <a:ext cx="5486400" cy="3843726"/>
-          </a:xfrm>
-        </p:spPr>
-      </p:pic>
-      <p:sp>
-        <p:nvSpPr>
-          <p:cNvPr id="6" name="Rectangle 5">
-            <a:extLst>
-              <a:ext uri="{FF2B5EF4-FFF2-40B4-BE49-F238E27FC236}">
-                <a16:creationId xmlns:a16="http://schemas.microsoft.com/office/drawing/2014/main" id="{92F920B0-33BC-AD42-AA8E-3BDBD1E7C69F}"/>
-              </a:ext>
-            </a:extLst>
-          </p:cNvPr>
-          <p:cNvSpPr/>
-          <p:nvPr/>
-        </p:nvSpPr>
-        <p:spPr>
-          <a:xfrm>
-            <a:off x="4501382" y="6381910"/>
-            <a:ext cx="4642618" cy="300082"/>
+            <a:off x="2765549" y="4012083"/>
+            <a:ext cx="5970896" cy="1913932"/>
           </a:xfrm>
           <a:prstGeom prst="rect">
             <a:avLst/>
           </a:prstGeom>
         </p:spPr>
-        <p:txBody>
-          <a:bodyPr wrap="none">
-            <a:spAutoFit/>
-          </a:bodyPr>
-          <a:lstStyle/>
-          <a:p>
-            <a:r>
-              <a:rPr lang="en-US" sz="1350" dirty="0">
-                <a:latin typeface="ibm-plex-sans"/>
-              </a:rPr>
-              <a:t>The 2018 Cost of a Data Breach Study by the </a:t>
-            </a:r>
-            <a:r>
-              <a:rPr lang="en-US" sz="1350" dirty="0" err="1">
-                <a:latin typeface="ibm-plex-sans"/>
-              </a:rPr>
-              <a:t>Ponemon</a:t>
-            </a:r>
-            <a:r>
-              <a:rPr lang="en-US" sz="1350" dirty="0">
-                <a:latin typeface="ibm-plex-sans"/>
-              </a:rPr>
-              <a:t> Institute</a:t>
-            </a:r>
-            <a:endParaRPr lang="en-US" sz="1350" dirty="0"/>
-          </a:p>
-        </p:txBody>
-      </p:sp>
+      </p:pic>
     </p:spTree>
     <p:extLst>
       <p:ext uri="{BB962C8B-B14F-4D97-AF65-F5344CB8AC3E}">
-        <p14:creationId xmlns:p14="http://schemas.microsoft.com/office/powerpoint/2010/main" val="2409162639"/>
+        <p14:creationId xmlns:p14="http://schemas.microsoft.com/office/powerpoint/2010/main" val="3027714018"/>
       </p:ext>
     </p:extLst>
   </p:cSld>
@@ -4345,7 +4664,7 @@
           <p:cNvPr id="2" name="Title 1">
             <a:extLst>
               <a:ext uri="{FF2B5EF4-FFF2-40B4-BE49-F238E27FC236}">
-                <a16:creationId xmlns:a16="http://schemas.microsoft.com/office/drawing/2014/main" id="{8B520604-AC62-6C4C-AC98-F9B6FB04A8F7}"/>
+                <a16:creationId xmlns:a16="http://schemas.microsoft.com/office/drawing/2014/main" id="{DA07F118-CD63-1F47-9458-C52426A88994}"/>
               </a:ext>
             </a:extLst>
           </p:cNvPr>
@@ -4358,154 +4677,50 @@
         </p:nvSpPr>
         <p:spPr/>
         <p:txBody>
-          <a:bodyPr>
-            <a:normAutofit/>
-          </a:bodyPr>
-          <a:lstStyle/>
-          <a:p>
-            <a:r>
-              <a:rPr lang="en-US" sz="2400" dirty="0" err="1"/>
-              <a:t>Hackmageddon</a:t>
-            </a:r>
-            <a:endParaRPr lang="en-US" sz="2400" dirty="0"/>
-          </a:p>
-        </p:txBody>
-      </p:sp>
-      <p:sp>
-        <p:nvSpPr>
-          <p:cNvPr id="3" name="Content Placeholder 2">
+          <a:bodyPr/>
+          <a:lstStyle/>
+          <a:p>
+            <a:pPr algn="ctr"/>
+            <a:r>
+              <a:rPr lang="en-US" dirty="0"/>
+              <a:t>Trend of increasing cyber attacks for 2018</a:t>
+            </a:r>
+          </a:p>
+        </p:txBody>
+      </p:sp>
+      <p:pic>
+        <p:nvPicPr>
+          <p:cNvPr id="9" name="Content Placeholder 8">
             <a:extLst>
               <a:ext uri="{FF2B5EF4-FFF2-40B4-BE49-F238E27FC236}">
-                <a16:creationId xmlns:a16="http://schemas.microsoft.com/office/drawing/2014/main" id="{2592681B-AA0F-F449-AF1F-D8B9AE89EF8F}"/>
+                <a16:creationId xmlns:a16="http://schemas.microsoft.com/office/drawing/2014/main" id="{ED7814ED-FD68-0140-8165-E47546897911}"/>
               </a:ext>
             </a:extLst>
           </p:cNvPr>
-          <p:cNvSpPr>
-            <a:spLocks noGrp="1"/>
-          </p:cNvSpPr>
+          <p:cNvPicPr>
+            <a:picLocks noGrp="1" noChangeAspect="1"/>
+          </p:cNvPicPr>
           <p:nvPr>
             <p:ph idx="1"/>
           </p:nvPr>
-        </p:nvSpPr>
-        <p:spPr/>
-        <p:txBody>
-          <a:bodyPr/>
-          <a:lstStyle/>
-          <a:p>
-            <a:pPr>
-              <a:buFont typeface="Wingdings" pitchFamily="2" charset="2"/>
-              <a:buChar char="v"/>
-            </a:pPr>
-            <a:r>
-              <a:rPr lang="en-US" dirty="0"/>
-              <a:t> scraped </a:t>
-            </a:r>
-            <a:r>
-              <a:rPr lang="en-US" i="1" dirty="0" err="1"/>
-              <a:t>www.hackmageddon.com</a:t>
-            </a:r>
-            <a:r>
-              <a:rPr lang="en-US" i="1" dirty="0"/>
-              <a:t> </a:t>
-            </a:r>
-            <a:r>
-              <a:rPr lang="en-US" dirty="0"/>
-              <a:t>to collect information on:</a:t>
-            </a:r>
-          </a:p>
-          <a:p>
-            <a:pPr lvl="1">
-              <a:buFont typeface="Wingdings" pitchFamily="2" charset="2"/>
-              <a:buChar char="v"/>
-            </a:pPr>
-            <a:r>
-              <a:rPr lang="en-US" dirty="0"/>
-              <a:t>Date of attack</a:t>
-            </a:r>
-          </a:p>
-          <a:p>
-            <a:pPr lvl="1">
-              <a:buFont typeface="Wingdings" pitchFamily="2" charset="2"/>
-              <a:buChar char="v"/>
-            </a:pPr>
-            <a:r>
-              <a:rPr lang="en-US" dirty="0"/>
-              <a:t>Target</a:t>
-            </a:r>
-          </a:p>
-          <a:p>
-            <a:pPr lvl="1">
-              <a:buFont typeface="Wingdings" pitchFamily="2" charset="2"/>
-              <a:buChar char="v"/>
-            </a:pPr>
-            <a:r>
-              <a:rPr lang="en-US" dirty="0" err="1"/>
-              <a:t>Target_class</a:t>
-            </a:r>
-            <a:r>
-              <a:rPr lang="en-US" dirty="0"/>
-              <a:t> (industry category)</a:t>
-            </a:r>
-          </a:p>
-          <a:p>
-            <a:pPr lvl="1">
-              <a:buFont typeface="Wingdings" pitchFamily="2" charset="2"/>
-              <a:buChar char="v"/>
-            </a:pPr>
-            <a:r>
-              <a:rPr lang="en-US" dirty="0"/>
-              <a:t>Type of attack</a:t>
-            </a:r>
-          </a:p>
-          <a:p>
-            <a:pPr lvl="1">
-              <a:buFont typeface="Wingdings" pitchFamily="2" charset="2"/>
-              <a:buChar char="v"/>
-            </a:pPr>
-            <a:r>
-              <a:rPr lang="en-US" dirty="0"/>
-              <a:t>Country</a:t>
-            </a:r>
-          </a:p>
-          <a:p>
-            <a:pPr lvl="1">
-              <a:buFont typeface="Wingdings" pitchFamily="2" charset="2"/>
-              <a:buChar char="v"/>
-            </a:pPr>
-            <a:r>
-              <a:rPr lang="en-US" dirty="0"/>
-              <a:t>Summary</a:t>
-            </a:r>
-          </a:p>
-          <a:p>
-            <a:pPr lvl="1">
-              <a:buFont typeface="Wingdings" pitchFamily="2" charset="2"/>
-              <a:buChar char="v"/>
-            </a:pPr>
-            <a:r>
-              <a:rPr lang="en-US" dirty="0"/>
-              <a:t>Type of attack( crime, espionage, hacktivism, warfare)</a:t>
-            </a:r>
-          </a:p>
-          <a:p>
-            <a:pPr marL="377190" lvl="1" indent="0">
-              <a:buNone/>
-            </a:pPr>
-            <a:endParaRPr lang="en-US" dirty="0"/>
-          </a:p>
-          <a:p>
-            <a:pPr lvl="1">
-              <a:buFont typeface="Wingdings" pitchFamily="2" charset="2"/>
-              <a:buChar char="v"/>
-            </a:pPr>
-            <a:endParaRPr lang="en-US" dirty="0"/>
-          </a:p>
-        </p:txBody>
-      </p:sp>
+        </p:nvPicPr>
+        <p:blipFill>
+          <a:blip r:embed="rId2"/>
+          <a:stretch>
+            <a:fillRect/>
+          </a:stretch>
+        </p:blipFill>
+        <p:spPr>
+          <a:xfrm>
+            <a:off x="2761272" y="1317339"/>
+            <a:ext cx="5916735" cy="3944490"/>
+          </a:xfrm>
+        </p:spPr>
+      </p:pic>
     </p:spTree>
     <p:extLst>
       <p:ext uri="{BB962C8B-B14F-4D97-AF65-F5344CB8AC3E}">
-        <p14:creationId xmlns:p14="http://schemas.microsoft.com/office/powerpoint/2010/main" val="3027714018"/>
+        <p14:creationId xmlns:p14="http://schemas.microsoft.com/office/powerpoint/2010/main" val="492928037"/>
       </p:ext>
     </p:extLst>
   </p:cSld>
@@ -4537,94 +4752,6 @@
           <p:cNvPr id="2" name="Title 1">
             <a:extLst>
               <a:ext uri="{FF2B5EF4-FFF2-40B4-BE49-F238E27FC236}">
-                <a16:creationId xmlns:a16="http://schemas.microsoft.com/office/drawing/2014/main" id="{DA07F118-CD63-1F47-9458-C52426A88994}"/>
-              </a:ext>
-            </a:extLst>
-          </p:cNvPr>
-          <p:cNvSpPr>
-            <a:spLocks noGrp="1"/>
-          </p:cNvSpPr>
-          <p:nvPr>
-            <p:ph type="title"/>
-          </p:nvPr>
-        </p:nvSpPr>
-        <p:spPr/>
-        <p:txBody>
-          <a:bodyPr/>
-          <a:lstStyle/>
-          <a:p>
-            <a:pPr algn="ctr"/>
-            <a:r>
-              <a:rPr lang="en-US" dirty="0"/>
-              <a:t>Trend of increasing cyber attacks for 2018</a:t>
-            </a:r>
-          </a:p>
-        </p:txBody>
-      </p:sp>
-      <p:pic>
-        <p:nvPicPr>
-          <p:cNvPr id="9" name="Content Placeholder 8">
-            <a:extLst>
-              <a:ext uri="{FF2B5EF4-FFF2-40B4-BE49-F238E27FC236}">
-                <a16:creationId xmlns:a16="http://schemas.microsoft.com/office/drawing/2014/main" id="{ED7814ED-FD68-0140-8165-E47546897911}"/>
-              </a:ext>
-            </a:extLst>
-          </p:cNvPr>
-          <p:cNvPicPr>
-            <a:picLocks noGrp="1" noChangeAspect="1"/>
-          </p:cNvPicPr>
-          <p:nvPr>
-            <p:ph idx="1"/>
-          </p:nvPr>
-        </p:nvPicPr>
-        <p:blipFill>
-          <a:blip r:embed="rId2"/>
-          <a:stretch>
-            <a:fillRect/>
-          </a:stretch>
-        </p:blipFill>
-        <p:spPr>
-          <a:xfrm>
-            <a:off x="2901950" y="1595437"/>
-            <a:ext cx="5486400" cy="3657600"/>
-          </a:xfrm>
-        </p:spPr>
-      </p:pic>
-    </p:spTree>
-    <p:extLst>
-      <p:ext uri="{BB962C8B-B14F-4D97-AF65-F5344CB8AC3E}">
-        <p14:creationId xmlns:p14="http://schemas.microsoft.com/office/powerpoint/2010/main" val="492928037"/>
-      </p:ext>
-    </p:extLst>
-  </p:cSld>
-  <p:clrMapOvr>
-    <a:masterClrMapping/>
-  </p:clrMapOvr>
-</p:sld>
-</file>
-
-<file path=ppt/slides/slide6.xml><?xml version="1.0" encoding="utf-8"?>
-<p:sld xmlns:a="http://schemas.openxmlformats.org/drawingml/2006/main" xmlns:r="http://schemas.openxmlformats.org/officeDocument/2006/relationships" xmlns:p="http://schemas.openxmlformats.org/presentationml/2006/main">
-  <p:cSld>
-    <p:spTree>
-      <p:nvGrpSpPr>
-        <p:cNvPr id="1" name=""/>
-        <p:cNvGrpSpPr/>
-        <p:nvPr/>
-      </p:nvGrpSpPr>
-      <p:grpSpPr>
-        <a:xfrm>
-          <a:off x="0" y="0"/>
-          <a:ext cx="0" cy="0"/>
-          <a:chOff x="0" y="0"/>
-          <a:chExt cx="0" cy="0"/>
-        </a:xfrm>
-      </p:grpSpPr>
-      <p:sp>
-        <p:nvSpPr>
-          <p:cNvPr id="2" name="Title 1">
-            <a:extLst>
-              <a:ext uri="{FF2B5EF4-FFF2-40B4-BE49-F238E27FC236}">
                 <a16:creationId xmlns:a16="http://schemas.microsoft.com/office/drawing/2014/main" id="{B32B28E5-0B47-AC4D-BC53-47E3810F6F4B}"/>
               </a:ext>
             </a:extLst>
@@ -4712,8 +4839,8 @@
         </p:blipFill>
         <p:spPr>
           <a:xfrm>
-            <a:off x="2977244" y="1765021"/>
-            <a:ext cx="5867414" cy="2993094"/>
+            <a:off x="2738838" y="1765021"/>
+            <a:ext cx="6105820" cy="3114710"/>
           </a:xfrm>
           <a:prstGeom prst="rect">
             <a:avLst/>
@@ -4734,7 +4861,7 @@
         </p:nvCxnSpPr>
         <p:spPr>
           <a:xfrm>
-            <a:off x="3523450" y="3292100"/>
+            <a:off x="3400358" y="3362439"/>
             <a:ext cx="270545" cy="0"/>
           </a:xfrm>
           <a:prstGeom prst="straightConnector1">
@@ -4772,7 +4899,7 @@
 </p:sld>
 </file>
 
-<file path=ppt/slides/slide7.xml><?xml version="1.0" encoding="utf-8"?>
+<file path=ppt/slides/slide6.xml><?xml version="1.0" encoding="utf-8"?>
 <p:sld xmlns:a="http://schemas.openxmlformats.org/drawingml/2006/main" xmlns:r="http://schemas.openxmlformats.org/officeDocument/2006/relationships" xmlns:p="http://schemas.openxmlformats.org/presentationml/2006/main">
   <p:cSld>
     <p:spTree>
@@ -4813,7 +4940,17 @@
             <a:pPr algn="ctr"/>
             <a:r>
               <a:rPr lang="en-US" dirty="0"/>
-              <a:t>Target: Individuals</a:t>
+              <a:t>Main attack on individuals:</a:t>
+            </a:r>
+            <a:br>
+              <a:rPr lang="en-US" dirty="0"/>
+            </a:br>
+            <a:br>
+              <a:rPr lang="en-US" dirty="0"/>
+            </a:br>
+            <a:r>
+              <a:rPr lang="en-US" dirty="0"/>
+              <a:t>MALWARE</a:t>
             </a:r>
           </a:p>
         </p:txBody>
@@ -4840,8 +4977,8 @@
         </p:blipFill>
         <p:spPr>
           <a:xfrm>
-            <a:off x="2895155" y="1672691"/>
-            <a:ext cx="5623460" cy="3748973"/>
+            <a:off x="2769577" y="1588973"/>
+            <a:ext cx="5749038" cy="3832692"/>
           </a:xfrm>
           <a:prstGeom prst="rect">
             <a:avLst/>
@@ -4861,7 +4998,7 @@
 </p:sld>
 </file>
 
-<file path=ppt/slides/slide8.xml><?xml version="1.0" encoding="utf-8"?>
+<file path=ppt/slides/slide7.xml><?xml version="1.0" encoding="utf-8"?>
 <p:sld xmlns:a="http://schemas.openxmlformats.org/drawingml/2006/main" xmlns:r="http://schemas.openxmlformats.org/officeDocument/2006/relationships" xmlns:p="http://schemas.openxmlformats.org/presentationml/2006/main">
   <p:cSld>
     <p:spTree>
@@ -4902,8 +5039,13 @@
             <a:pPr algn="ctr"/>
             <a:r>
               <a:rPr lang="en-US" dirty="0"/>
-              <a:t>World Cloud of attack descriptions</a:t>
-            </a:r>
+              <a:t>Individuals: </a:t>
+            </a:r>
+            <a:r>
+              <a:rPr lang="en-US" dirty="0" err="1"/>
+              <a:t>WordCloud</a:t>
+            </a:r>
+            <a:endParaRPr lang="en-US" dirty="0"/>
           </a:p>
         </p:txBody>
       </p:sp>
@@ -4929,8 +5071,8 @@
         </p:blipFill>
         <p:spPr>
           <a:xfrm>
-            <a:off x="3333920" y="1188277"/>
-            <a:ext cx="4472304" cy="4472304"/>
+            <a:off x="3112476" y="1123838"/>
+            <a:ext cx="4913555" cy="4913555"/>
           </a:xfrm>
           <a:prstGeom prst="rect">
             <a:avLst/>
@@ -4950,7 +5092,7 @@
 </p:sld>
 </file>
 
-<file path=ppt/slides/slide9.xml><?xml version="1.0" encoding="utf-8"?>
+<file path=ppt/slides/slide8.xml><?xml version="1.0" encoding="utf-8"?>
 <p:sld xmlns:a="http://schemas.openxmlformats.org/drawingml/2006/main" xmlns:r="http://schemas.openxmlformats.org/officeDocument/2006/relationships" xmlns:p="http://schemas.openxmlformats.org/presentationml/2006/main">
   <p:cSld>
     <p:spTree>
@@ -5110,6 +5252,143 @@
     <p:extLst>
       <p:ext uri="{BB962C8B-B14F-4D97-AF65-F5344CB8AC3E}">
         <p14:creationId xmlns:p14="http://schemas.microsoft.com/office/powerpoint/2010/main" val="3444048217"/>
+      </p:ext>
+    </p:extLst>
+  </p:cSld>
+  <p:clrMapOvr>
+    <a:masterClrMapping/>
+  </p:clrMapOvr>
+</p:sld>
+</file>
+
+<file path=ppt/slides/slide9.xml><?xml version="1.0" encoding="utf-8"?>
+<p:sld xmlns:a="http://schemas.openxmlformats.org/drawingml/2006/main" xmlns:r="http://schemas.openxmlformats.org/officeDocument/2006/relationships" xmlns:p="http://schemas.openxmlformats.org/presentationml/2006/main">
+  <p:cSld>
+    <p:spTree>
+      <p:nvGrpSpPr>
+        <p:cNvPr id="1" name=""/>
+        <p:cNvGrpSpPr/>
+        <p:nvPr/>
+      </p:nvGrpSpPr>
+      <p:grpSpPr>
+        <a:xfrm>
+          <a:off x="0" y="0"/>
+          <a:ext cx="0" cy="0"/>
+          <a:chOff x="0" y="0"/>
+          <a:chExt cx="0" cy="0"/>
+        </a:xfrm>
+      </p:grpSpPr>
+      <p:sp>
+        <p:nvSpPr>
+          <p:cNvPr id="2" name="Title 1">
+            <a:extLst>
+              <a:ext uri="{FF2B5EF4-FFF2-40B4-BE49-F238E27FC236}">
+                <a16:creationId xmlns:a16="http://schemas.microsoft.com/office/drawing/2014/main" id="{9A2CFFB3-6A08-9244-B193-D3C480E88211}"/>
+              </a:ext>
+            </a:extLst>
+          </p:cNvPr>
+          <p:cNvSpPr>
+            <a:spLocks noGrp="1"/>
+          </p:cNvSpPr>
+          <p:nvPr>
+            <p:ph type="title"/>
+          </p:nvPr>
+        </p:nvSpPr>
+        <p:spPr/>
+        <p:txBody>
+          <a:bodyPr/>
+          <a:lstStyle/>
+          <a:p>
+            <a:pPr algn="ctr"/>
+            <a:r>
+              <a:rPr lang="en-US" dirty="0"/>
+              <a:t>Data breach costs are highest for healthcare industry</a:t>
+            </a:r>
+          </a:p>
+        </p:txBody>
+      </p:sp>
+      <p:pic>
+        <p:nvPicPr>
+          <p:cNvPr id="5" name="Content Placeholder 4">
+            <a:extLst>
+              <a:ext uri="{FF2B5EF4-FFF2-40B4-BE49-F238E27FC236}">
+                <a16:creationId xmlns:a16="http://schemas.microsoft.com/office/drawing/2014/main" id="{921E2470-783A-0F43-9806-9AF9BAD1A047}"/>
+              </a:ext>
+            </a:extLst>
+          </p:cNvPr>
+          <p:cNvPicPr>
+            <a:picLocks noGrp="1" noChangeAspect="1"/>
+          </p:cNvPicPr>
+          <p:nvPr>
+            <p:ph idx="1"/>
+          </p:nvPr>
+        </p:nvPicPr>
+        <p:blipFill>
+          <a:blip r:embed="rId2"/>
+          <a:stretch>
+            <a:fillRect/>
+          </a:stretch>
+        </p:blipFill>
+        <p:spPr>
+          <a:xfrm>
+            <a:off x="2901950" y="1502374"/>
+            <a:ext cx="5486400" cy="3843726"/>
+          </a:xfrm>
+        </p:spPr>
+      </p:pic>
+      <p:sp>
+        <p:nvSpPr>
+          <p:cNvPr id="6" name="Rectangle 5">
+            <a:extLst>
+              <a:ext uri="{FF2B5EF4-FFF2-40B4-BE49-F238E27FC236}">
+                <a16:creationId xmlns:a16="http://schemas.microsoft.com/office/drawing/2014/main" id="{92F920B0-33BC-AD42-AA8E-3BDBD1E7C69F}"/>
+              </a:ext>
+            </a:extLst>
+          </p:cNvPr>
+          <p:cNvSpPr/>
+          <p:nvPr/>
+        </p:nvSpPr>
+        <p:spPr>
+          <a:xfrm>
+            <a:off x="4501382" y="6381910"/>
+            <a:ext cx="4642618" cy="300082"/>
+          </a:xfrm>
+          <a:prstGeom prst="rect">
+            <a:avLst/>
+          </a:prstGeom>
+        </p:spPr>
+        <p:txBody>
+          <a:bodyPr wrap="none">
+            <a:spAutoFit/>
+          </a:bodyPr>
+          <a:lstStyle/>
+          <a:p>
+            <a:r>
+              <a:rPr lang="en-US" sz="1350" dirty="0">
+                <a:latin typeface="ibm-plex-sans"/>
+              </a:rPr>
+              <a:t>The 2018 Cost of a Data Breach Study by the </a:t>
+            </a:r>
+            <a:r>
+              <a:rPr lang="en-US" sz="1350" dirty="0" err="1">
+                <a:latin typeface="ibm-plex-sans"/>
+              </a:rPr>
+              <a:t>Ponemon</a:t>
+            </a:r>
+            <a:r>
+              <a:rPr lang="en-US" sz="1350" dirty="0">
+                <a:latin typeface="ibm-plex-sans"/>
+              </a:rPr>
+              <a:t> Institute</a:t>
+            </a:r>
+            <a:endParaRPr lang="en-US" sz="1350" dirty="0"/>
+          </a:p>
+        </p:txBody>
+      </p:sp>
+    </p:spTree>
+    <p:extLst>
+      <p:ext uri="{BB962C8B-B14F-4D97-AF65-F5344CB8AC3E}">
+        <p14:creationId xmlns:p14="http://schemas.microsoft.com/office/powerpoint/2010/main" val="2409162639"/>
       </p:ext>
     </p:extLst>
   </p:cSld>
